--- a/Презентація.pptx
+++ b/Презентація.pptx
@@ -6,16 +6,14 @@
     <p:sldMasterId id="2147483671" r:id="rId2"/>
   </p:sldMasterIdLst>
   <p:notesMasterIdLst>
-    <p:notesMasterId r:id="rId10"/>
+    <p:notesMasterId r:id="rId8"/>
   </p:notesMasterIdLst>
   <p:sldIdLst>
     <p:sldId id="256" r:id="rId3"/>
     <p:sldId id="257" r:id="rId4"/>
     <p:sldId id="258" r:id="rId5"/>
-    <p:sldId id="259" r:id="rId6"/>
-    <p:sldId id="260" r:id="rId7"/>
-    <p:sldId id="261" r:id="rId8"/>
-    <p:sldId id="263" r:id="rId9"/>
+    <p:sldId id="261" r:id="rId6"/>
+    <p:sldId id="263" r:id="rId7"/>
   </p:sldIdLst>
   <p:sldSz cx="9144000" cy="6858000" type="screen4x3"/>
   <p:notesSz cx="7102475" cy="10233025"/>
@@ -12560,362 +12558,6 @@
   <p:cSld>
     <p:spTree>
       <p:nvGrpSpPr>
-        <p:cNvPr id="1" name="Shape 197"/>
-        <p:cNvGrpSpPr/>
-        <p:nvPr/>
-      </p:nvGrpSpPr>
-      <p:grpSpPr>
-        <a:xfrm>
-          <a:off x="0" y="0"/>
-          <a:ext cx="0" cy="0"/>
-          <a:chOff x="0" y="0"/>
-          <a:chExt cx="0" cy="0"/>
-        </a:xfrm>
-      </p:grpSpPr>
-      <p:sp>
-        <p:nvSpPr>
-          <p:cNvPr id="198" name="Google Shape;198;p4:notes"/>
-          <p:cNvSpPr txBox="1">
-            <a:spLocks noGrp="1"/>
-          </p:cNvSpPr>
-          <p:nvPr>
-            <p:ph type="body" idx="1"/>
-          </p:nvPr>
-        </p:nvSpPr>
-        <p:spPr>
-          <a:xfrm>
-            <a:off x="709612" y="4860925"/>
-            <a:ext cx="5683250" cy="4605337"/>
-          </a:xfrm>
-          <a:prstGeom prst="rect">
-            <a:avLst/>
-          </a:prstGeom>
-          <a:noFill/>
-          <a:ln>
-            <a:noFill/>
-          </a:ln>
-        </p:spPr>
-        <p:txBody>
-          <a:bodyPr spcFirstLastPara="1" wrap="square" lIns="91425" tIns="91425" rIns="91425" bIns="91425" anchor="t" anchorCtr="0">
-            <a:noAutofit/>
-          </a:bodyPr>
-          <a:lstStyle/>
-          <a:p>
-            <a:pPr marL="0" marR="0" lvl="0" indent="0" algn="l" rtl="0">
-              <a:lnSpc>
-                <a:spcPct val="100000"/>
-              </a:lnSpc>
-              <a:spcBef>
-                <a:spcPts val="0"/>
-              </a:spcBef>
-              <a:spcAft>
-                <a:spcPts val="0"/>
-              </a:spcAft>
-              <a:buClr>
-                <a:srgbClr val="000000"/>
-              </a:buClr>
-              <a:buSzPts val="1400"/>
-              <a:buFont typeface="Arial"/>
-              <a:buNone/>
-            </a:pPr>
-            <a:r>
-              <a:rPr lang="ru-RU" sz="1800" b="0" i="0" u="none" strike="noStrike" cap="none">
-                <a:solidFill>
-                  <a:srgbClr val="000000"/>
-                </a:solidFill>
-                <a:latin typeface="Arial"/>
-                <a:ea typeface="Arial"/>
-                <a:cs typeface="Arial"/>
-                <a:sym typeface="Arial"/>
-              </a:rPr>
-              <a:t>Під час виступу:</a:t>
-            </a:r>
-            <a:endParaRPr/>
-          </a:p>
-          <a:p>
-            <a:pPr marL="0" marR="0" lvl="0" indent="0" algn="l" rtl="0">
-              <a:lnSpc>
-                <a:spcPct val="100000"/>
-              </a:lnSpc>
-              <a:spcBef>
-                <a:spcPts val="0"/>
-              </a:spcBef>
-              <a:spcAft>
-                <a:spcPts val="0"/>
-              </a:spcAft>
-              <a:buClr>
-                <a:srgbClr val="000000"/>
-              </a:buClr>
-              <a:buSzPts val="1400"/>
-              <a:buFont typeface="Arial"/>
-              <a:buNone/>
-            </a:pPr>
-            <a:r>
-              <a:rPr lang="ru-RU" sz="1800" b="0" i="0" u="none" strike="noStrike" cap="none">
-                <a:solidFill>
-                  <a:srgbClr val="000000"/>
-                </a:solidFill>
-                <a:latin typeface="Arial"/>
-                <a:ea typeface="Arial"/>
-                <a:cs typeface="Arial"/>
-                <a:sym typeface="Arial"/>
-              </a:rPr>
-              <a:t> - визначити процеси, що дають найбільший бізнес ефект – Відслідковування зміни ціни товару</a:t>
-            </a:r>
-            <a:endParaRPr/>
-          </a:p>
-          <a:p>
-            <a:pPr marL="0" marR="0" lvl="0" indent="0" algn="l" rtl="0">
-              <a:lnSpc>
-                <a:spcPct val="100000"/>
-              </a:lnSpc>
-              <a:spcBef>
-                <a:spcPts val="0"/>
-              </a:spcBef>
-              <a:spcAft>
-                <a:spcPts val="0"/>
-              </a:spcAft>
-              <a:buClr>
-                <a:srgbClr val="000000"/>
-              </a:buClr>
-              <a:buSzPts val="1400"/>
-              <a:buFont typeface="Arial"/>
-              <a:buNone/>
-            </a:pPr>
-            <a:r>
-              <a:rPr lang="ru-RU" sz="1800" b="0" i="0" u="none" strike="noStrike" cap="none">
-                <a:solidFill>
-                  <a:srgbClr val="000000"/>
-                </a:solidFill>
-                <a:latin typeface="Arial"/>
-                <a:ea typeface="Arial"/>
-                <a:cs typeface="Arial"/>
-                <a:sym typeface="Arial"/>
-              </a:rPr>
-              <a:t> - визначити процеси, що будуть сервісами – Оплата замовлення.</a:t>
-            </a:r>
-            <a:endParaRPr sz="1800" b="0" i="0" u="none" strike="noStrike" cap="none">
-              <a:solidFill>
-                <a:srgbClr val="000000"/>
-              </a:solidFill>
-              <a:latin typeface="Arial"/>
-              <a:ea typeface="Arial"/>
-              <a:cs typeface="Arial"/>
-              <a:sym typeface="Arial"/>
-            </a:endParaRPr>
-          </a:p>
-        </p:txBody>
-      </p:sp>
-      <p:sp>
-        <p:nvSpPr>
-          <p:cNvPr id="199" name="Google Shape;199;p4:notes"/>
-          <p:cNvSpPr>
-            <a:spLocks noGrp="1" noRot="1" noChangeAspect="1"/>
-          </p:cNvSpPr>
-          <p:nvPr>
-            <p:ph type="sldImg" idx="2"/>
-          </p:nvPr>
-        </p:nvSpPr>
-        <p:spPr>
-          <a:xfrm>
-            <a:off x="992188" y="766763"/>
-            <a:ext cx="5118100" cy="3838575"/>
-          </a:xfrm>
-          <a:custGeom>
-            <a:avLst/>
-            <a:gdLst/>
-            <a:ahLst/>
-            <a:cxnLst/>
-            <a:rect l="l" t="t" r="r" b="b"/>
-            <a:pathLst>
-              <a:path w="120000" h="120000" extrusionOk="0">
-                <a:moveTo>
-                  <a:pt x="0" y="0"/>
-                </a:moveTo>
-                <a:lnTo>
-                  <a:pt x="120000" y="0"/>
-                </a:lnTo>
-                <a:lnTo>
-                  <a:pt x="120000" y="120000"/>
-                </a:lnTo>
-                <a:lnTo>
-                  <a:pt x="0" y="120000"/>
-                </a:lnTo>
-                <a:close/>
-              </a:path>
-            </a:pathLst>
-          </a:custGeom>
-          <a:noFill/>
-          <a:ln w="12700" cap="flat" cmpd="sng">
-            <a:solidFill>
-              <a:srgbClr val="000000"/>
-            </a:solidFill>
-            <a:prstDash val="solid"/>
-            <a:miter lim="800000"/>
-            <a:headEnd type="none" w="sm" len="sm"/>
-            <a:tailEnd type="none" w="sm" len="sm"/>
-          </a:ln>
-        </p:spPr>
-      </p:sp>
-    </p:spTree>
-  </p:cSld>
-  <p:clrMapOvr>
-    <a:masterClrMapping/>
-  </p:clrMapOvr>
-</p:notes>
-</file>
-
-<file path=ppt/notesSlides/notesSlide5.xml><?xml version="1.0" encoding="utf-8"?>
-<p:notes xmlns:a="http://schemas.openxmlformats.org/drawingml/2006/main" xmlns:r="http://schemas.openxmlformats.org/officeDocument/2006/relationships" xmlns:p="http://schemas.openxmlformats.org/presentationml/2006/main" showMasterSp="0" showMasterPhAnim="0">
-  <p:cSld>
-    <p:spTree>
-      <p:nvGrpSpPr>
-        <p:cNvPr id="1" name="Shape 209"/>
-        <p:cNvGrpSpPr/>
-        <p:nvPr/>
-      </p:nvGrpSpPr>
-      <p:grpSpPr>
-        <a:xfrm>
-          <a:off x="0" y="0"/>
-          <a:ext cx="0" cy="0"/>
-          <a:chOff x="0" y="0"/>
-          <a:chExt cx="0" cy="0"/>
-        </a:xfrm>
-      </p:grpSpPr>
-      <p:sp>
-        <p:nvSpPr>
-          <p:cNvPr id="210" name="Google Shape;210;p5:notes"/>
-          <p:cNvSpPr txBox="1">
-            <a:spLocks noGrp="1"/>
-          </p:cNvSpPr>
-          <p:nvPr>
-            <p:ph type="body" idx="1"/>
-          </p:nvPr>
-        </p:nvSpPr>
-        <p:spPr>
-          <a:xfrm>
-            <a:off x="709612" y="4860925"/>
-            <a:ext cx="5683250" cy="4605337"/>
-          </a:xfrm>
-          <a:prstGeom prst="rect">
-            <a:avLst/>
-          </a:prstGeom>
-          <a:noFill/>
-          <a:ln>
-            <a:noFill/>
-          </a:ln>
-        </p:spPr>
-        <p:txBody>
-          <a:bodyPr spcFirstLastPara="1" wrap="square" lIns="91425" tIns="91425" rIns="91425" bIns="91425" anchor="t" anchorCtr="0">
-            <a:noAutofit/>
-          </a:bodyPr>
-          <a:lstStyle/>
-          <a:p>
-            <a:pPr marL="0" marR="0" lvl="0" indent="0" algn="l" rtl="0">
-              <a:lnSpc>
-                <a:spcPct val="100000"/>
-              </a:lnSpc>
-              <a:spcBef>
-                <a:spcPts val="0"/>
-              </a:spcBef>
-              <a:spcAft>
-                <a:spcPts val="0"/>
-              </a:spcAft>
-              <a:buClr>
-                <a:srgbClr val="000000"/>
-              </a:buClr>
-              <a:buSzPts val="1400"/>
-              <a:buFont typeface="Arial"/>
-              <a:buNone/>
-            </a:pPr>
-            <a:r>
-              <a:rPr lang="ru-RU" sz="1800" b="0" i="0" u="none" strike="noStrike" cap="none">
-                <a:solidFill>
-                  <a:srgbClr val="000000"/>
-                </a:solidFill>
-                <a:latin typeface="Arial"/>
-                <a:ea typeface="Arial"/>
-                <a:cs typeface="Arial"/>
-                <a:sym typeface="Arial"/>
-              </a:rPr>
-              <a:t>Під час виступу визначити, які ролі будуть у користувачів. Вказати, які кейси будуть доступні для якої ролі.</a:t>
-            </a:r>
-            <a:endParaRPr sz="1800" b="0" i="0" u="none" strike="noStrike" cap="none">
-              <a:solidFill>
-                <a:srgbClr val="000000"/>
-              </a:solidFill>
-              <a:latin typeface="Arial"/>
-              <a:ea typeface="Arial"/>
-              <a:cs typeface="Arial"/>
-              <a:sym typeface="Arial"/>
-            </a:endParaRPr>
-          </a:p>
-        </p:txBody>
-      </p:sp>
-      <p:sp>
-        <p:nvSpPr>
-          <p:cNvPr id="211" name="Google Shape;211;p5:notes"/>
-          <p:cNvSpPr>
-            <a:spLocks noGrp="1" noRot="1" noChangeAspect="1"/>
-          </p:cNvSpPr>
-          <p:nvPr>
-            <p:ph type="sldImg" idx="2"/>
-          </p:nvPr>
-        </p:nvSpPr>
-        <p:spPr>
-          <a:xfrm>
-            <a:off x="992188" y="766763"/>
-            <a:ext cx="5118100" cy="3838575"/>
-          </a:xfrm>
-          <a:custGeom>
-            <a:avLst/>
-            <a:gdLst/>
-            <a:ahLst/>
-            <a:cxnLst/>
-            <a:rect l="l" t="t" r="r" b="b"/>
-            <a:pathLst>
-              <a:path w="120000" h="120000" extrusionOk="0">
-                <a:moveTo>
-                  <a:pt x="0" y="0"/>
-                </a:moveTo>
-                <a:lnTo>
-                  <a:pt x="120000" y="0"/>
-                </a:lnTo>
-                <a:lnTo>
-                  <a:pt x="120000" y="120000"/>
-                </a:lnTo>
-                <a:lnTo>
-                  <a:pt x="0" y="120000"/>
-                </a:lnTo>
-                <a:close/>
-              </a:path>
-            </a:pathLst>
-          </a:custGeom>
-          <a:noFill/>
-          <a:ln w="12700" cap="flat" cmpd="sng">
-            <a:solidFill>
-              <a:srgbClr val="000000"/>
-            </a:solidFill>
-            <a:prstDash val="solid"/>
-            <a:miter lim="800000"/>
-            <a:headEnd type="none" w="sm" len="sm"/>
-            <a:tailEnd type="none" w="sm" len="sm"/>
-          </a:ln>
-        </p:spPr>
-      </p:sp>
-    </p:spTree>
-  </p:cSld>
-  <p:clrMapOvr>
-    <a:masterClrMapping/>
-  </p:clrMapOvr>
-</p:notes>
-</file>
-
-<file path=ppt/notesSlides/notesSlide6.xml><?xml version="1.0" encoding="utf-8"?>
-<p:notes xmlns:a="http://schemas.openxmlformats.org/drawingml/2006/main" xmlns:r="http://schemas.openxmlformats.org/officeDocument/2006/relationships" xmlns:p="http://schemas.openxmlformats.org/presentationml/2006/main" showMasterSp="0" showMasterPhAnim="0">
-  <p:cSld>
-    <p:spTree>
-      <p:nvGrpSpPr>
         <p:cNvPr id="1" name="Shape 219"/>
         <p:cNvGrpSpPr/>
         <p:nvPr/>
@@ -13129,7 +12771,7 @@
 </p:notes>
 </file>
 
-<file path=ppt/notesSlides/notesSlide7.xml><?xml version="1.0" encoding="utf-8"?>
+<file path=ppt/notesSlides/notesSlide5.xml><?xml version="1.0" encoding="utf-8"?>
 <p:notes xmlns:a="http://schemas.openxmlformats.org/drawingml/2006/main" xmlns:r="http://schemas.openxmlformats.org/officeDocument/2006/relationships" xmlns:p="http://schemas.openxmlformats.org/presentationml/2006/main" showMasterSp="0" showMasterPhAnim="0">
   <p:cSld>
     <p:spTree>
@@ -49646,16 +49288,16 @@
               <a:buSzPts val="3200"/>
             </a:pPr>
             <a:r>
-              <a:rPr lang="ru-RU" sz="3200" dirty="0" err="1" smtClean="0"/>
-              <a:t>Регестрація</a:t>
+              <a:rPr lang="uk-UA" sz="3200" dirty="0" smtClean="0"/>
+              <a:t>Прогнозування</a:t>
             </a:r>
             <a:r>
               <a:rPr lang="ru-RU" sz="3200" dirty="0" smtClean="0"/>
-              <a:t> до </a:t>
-            </a:r>
-            <a:r>
-              <a:rPr lang="ru-RU" sz="3200" dirty="0" err="1" smtClean="0"/>
-              <a:t>походів</a:t>
+              <a:t> </a:t>
+            </a:r>
+            <a:r>
+              <a:rPr lang="uk-UA" sz="3200" dirty="0" smtClean="0"/>
+              <a:t>складності походу</a:t>
             </a:r>
             <a:endParaRPr sz="4400" b="0" i="0" u="none" strike="noStrike" cap="none">
               <a:solidFill>
@@ -50394,190 +50036,6 @@
       </p:sp>
       <p:sp>
         <p:nvSpPr>
-          <p:cNvPr id="177" name="Google Shape;177;p26"/>
-          <p:cNvSpPr txBox="1"/>
-          <p:nvPr/>
-        </p:nvSpPr>
-        <p:spPr>
-          <a:xfrm>
-            <a:off x="8372475" y="188912"/>
-            <a:ext cx="663575" cy="360362"/>
-          </a:xfrm>
-          <a:prstGeom prst="rect">
-            <a:avLst/>
-          </a:prstGeom>
-          <a:gradFill>
-            <a:gsLst>
-              <a:gs pos="0">
-                <a:srgbClr val="A3C4FF"/>
-              </a:gs>
-              <a:gs pos="35000">
-                <a:srgbClr val="BFD5FF"/>
-              </a:gs>
-              <a:gs pos="100000">
-                <a:srgbClr val="E5EEFF"/>
-              </a:gs>
-            </a:gsLst>
-            <a:lin ang="16200000" scaled="0"/>
-          </a:gradFill>
-          <a:ln w="9525" cap="flat" cmpd="sng">
-            <a:solidFill>
-              <a:srgbClr val="4A7EBB"/>
-            </a:solidFill>
-            <a:prstDash val="solid"/>
-            <a:miter lim="800000"/>
-            <a:headEnd type="none" w="sm" len="sm"/>
-            <a:tailEnd type="none" w="sm" len="sm"/>
-          </a:ln>
-          <a:effectLst>
-            <a:outerShdw blurRad="63500" dist="38100" dir="5400000">
-              <a:srgbClr val="000000">
-                <a:alpha val="39215"/>
-              </a:srgbClr>
-            </a:outerShdw>
-          </a:effectLst>
-        </p:spPr>
-        <p:txBody>
-          <a:bodyPr spcFirstLastPara="1" wrap="square" lIns="91425" tIns="45700" rIns="91425" bIns="45700" anchor="ctr" anchorCtr="0">
-            <a:noAutofit/>
-          </a:bodyPr>
-          <a:lstStyle/>
-          <a:p>
-            <a:pPr marL="0" marR="0" lvl="0" indent="0" algn="ctr" rtl="0">
-              <a:lnSpc>
-                <a:spcPct val="100000"/>
-              </a:lnSpc>
-              <a:spcBef>
-                <a:spcPts val="0"/>
-              </a:spcBef>
-              <a:spcAft>
-                <a:spcPts val="0"/>
-              </a:spcAft>
-              <a:buClr>
-                <a:srgbClr val="000000"/>
-              </a:buClr>
-              <a:buSzPts val="1800"/>
-              <a:buFont typeface="Calibri"/>
-              <a:buNone/>
-            </a:pPr>
-            <a:r>
-              <a:rPr lang="ru-RU" sz="1800" b="1" i="0" u="none" strike="noStrike" cap="none">
-                <a:solidFill>
-                  <a:srgbClr val="000000"/>
-                </a:solidFill>
-                <a:latin typeface="Calibri"/>
-                <a:ea typeface="Calibri"/>
-                <a:cs typeface="Calibri"/>
-                <a:sym typeface="Calibri"/>
-              </a:rPr>
-              <a:t>19</a:t>
-            </a:r>
-            <a:endParaRPr sz="1400" b="0" i="0" u="none" strike="noStrike" cap="none">
-              <a:solidFill>
-                <a:srgbClr val="000000"/>
-              </a:solidFill>
-              <a:latin typeface="Arial"/>
-              <a:ea typeface="Arial"/>
-              <a:cs typeface="Arial"/>
-              <a:sym typeface="Arial"/>
-            </a:endParaRPr>
-          </a:p>
-        </p:txBody>
-      </p:sp>
-      <p:sp>
-        <p:nvSpPr>
-          <p:cNvPr id="178" name="Google Shape;178;p26"/>
-          <p:cNvSpPr txBox="1"/>
-          <p:nvPr/>
-        </p:nvSpPr>
-        <p:spPr>
-          <a:xfrm>
-            <a:off x="8372475" y="188912"/>
-            <a:ext cx="663575" cy="360362"/>
-          </a:xfrm>
-          <a:prstGeom prst="rect">
-            <a:avLst/>
-          </a:prstGeom>
-          <a:gradFill>
-            <a:gsLst>
-              <a:gs pos="0">
-                <a:srgbClr val="A3C4FF"/>
-              </a:gs>
-              <a:gs pos="35000">
-                <a:srgbClr val="BFD5FF"/>
-              </a:gs>
-              <a:gs pos="100000">
-                <a:srgbClr val="E5EEFF"/>
-              </a:gs>
-            </a:gsLst>
-            <a:lin ang="16200000" scaled="0"/>
-          </a:gradFill>
-          <a:ln w="9525" cap="flat" cmpd="sng">
-            <a:solidFill>
-              <a:srgbClr val="4A7EBB"/>
-            </a:solidFill>
-            <a:prstDash val="solid"/>
-            <a:miter lim="800000"/>
-            <a:headEnd type="none" w="sm" len="sm"/>
-            <a:tailEnd type="none" w="sm" len="sm"/>
-          </a:ln>
-          <a:effectLst>
-            <a:outerShdw blurRad="63500" dist="38100" dir="5400000">
-              <a:srgbClr val="000000">
-                <a:alpha val="39215"/>
-              </a:srgbClr>
-            </a:outerShdw>
-          </a:effectLst>
-        </p:spPr>
-        <p:txBody>
-          <a:bodyPr spcFirstLastPara="1" wrap="square" lIns="91425" tIns="45700" rIns="91425" bIns="45700" anchor="ctr" anchorCtr="0">
-            <a:noAutofit/>
-          </a:bodyPr>
-          <a:lstStyle/>
-          <a:p>
-            <a:pPr marL="0" marR="0" lvl="0" indent="0" algn="ctr" rtl="0">
-              <a:lnSpc>
-                <a:spcPct val="100000"/>
-              </a:lnSpc>
-              <a:spcBef>
-                <a:spcPts val="0"/>
-              </a:spcBef>
-              <a:spcAft>
-                <a:spcPts val="0"/>
-              </a:spcAft>
-              <a:buClr>
-                <a:srgbClr val="000000"/>
-              </a:buClr>
-              <a:buSzPts val="1800"/>
-              <a:buFont typeface="Calibri"/>
-              <a:buNone/>
-            </a:pPr>
-            <a:r>
-              <a:rPr lang="ru-RU" sz="1800" b="1" i="0" u="none" strike="noStrike" cap="none">
-                <a:solidFill>
-                  <a:srgbClr val="000000"/>
-                </a:solidFill>
-                <a:latin typeface="Calibri"/>
-                <a:ea typeface="Calibri"/>
-                <a:cs typeface="Calibri"/>
-                <a:sym typeface="Calibri"/>
-              </a:rPr>
-              <a:t>1</a:t>
-            </a:r>
-            <a:endParaRPr sz="1400" b="0" i="0" u="none" strike="noStrike" cap="none">
-              <a:solidFill>
-                <a:srgbClr val="000000"/>
-              </a:solidFill>
-              <a:latin typeface="Arial"/>
-              <a:ea typeface="Arial"/>
-              <a:cs typeface="Arial"/>
-              <a:sym typeface="Arial"/>
-            </a:endParaRPr>
-          </a:p>
-        </p:txBody>
-      </p:sp>
-      <p:sp>
-        <p:nvSpPr>
           <p:cNvPr id="179" name="Google Shape;179;p26" descr="data:image/jpeg;base64,/9j/4AAQSkZJRgABAQAAAQABAAD/2wCEAAkGBhQSEBUUDxQVFRQUFBQUFBQUFBgUFBQUFBQVFBQUFBQXHSYeFxkkGRQUHy8gJCcpLCwsFR4xNTAqNSYrLCkBCQoKDgwOGg8PFykcHBwpLC8pLSk1LSkpKSkpKTUtKS0sLCk1NSwpKSkpKSkpKSkpLCk1KTUpNSwsKSk1LC8sKf/AABEIAJEBEAMBIgACEQEDEQH/xAAcAAABBAMBAAAAAAAAAAAAAAAABAUGBwIDCAH/xAA9EAABAwIBCAcGBQIHAAAAAAAAAQIDBAURExcxQVJTkZMGBxIhUXKzFCMyNXOyFSIkYbEWoSUzNEJDY3H/xAAbAQEAAgMBAQAAAAAAAAAAAAAABQYCAwQBB//EADYRAAEDAgEGDAYDAQAAAAAAAAABAgMEEQUGEhQWMVETITJBU2FikaGi0eEzcXKBscEVIjTw/9oADAMBAAIRAxEAPwC8AAoXrWlVLrLgqp+WLWu7QksOodNlWPOzbJfZf/tponm4Juda5fQHK2XdtO4qGXdtO4qT2rC9N5fc49P7PidUYnpytl3bS8VDLu2l4qNWF6by+40/s+J1SBytl3bS8VDLu2l4qNWF6by+40/s+J1SeIpyvl3bS8VDLu2l4qNWF6by+40/s+J1SBytl3bS8VDLu2l4qNWF6by+40/s+J1SeKpyvl3bS8VDLu2l4qNWF6by+40/s+J1SBytl3bS8VDLu2l4qNWF6by+40/s+J1SBytl3bS8VDLu2l4qNWF6by+40/s+J1RienK2XdtLxUMu7aXio1YXpvL7jT+z4nVIHK2XdtLxUMu7aXio1YXpvL7jT+z4nVJ5icr5d20vFQy7tpeKjVhem8vuNP7PidUgcrZd20vFQy7tpeKjVhem8vuNP7PidUgcrZZ20vFQy7tpeKjVhem8vuNP7PidUYnpytl3bS8VDLu2l4qNWF6by+40/s+J1SBytl3bS8VDLu2l4qNWF6by+40/s+J1SBzFZpne0w96/wCdFrXeNOnSGxPDdBVqZ+dnX5rbPup1wT8Mira1gKC62Pmsvli9NC/Sgutj5rL5YvTQ7cnP9a/Sv5Q013w/uRAAAvxDgAAAAAAAAAAAAAAAAGAAAGB72Tw8PAMuyHYFxcxAz7AdgXFzADPsB2BcXMAMuyHZFxcxA9wPMD0AAAD0AA9wAPAwPUQyRp5c8uKrKn6mH60XqNOnzmOyt/Uw/Wi9Rp04UvKblx/Jf0SuHrxOAoLrY+ay+WL00L9KF604HOu0qMa5fyxaGqv/ABp4HLk4tqpfpX8obK5bRce8hgDpB0cmd/sdwUVs6Jy60XgXd1TE3a5CvOqoW7XIMB7gSL+lnpqXga32ByajxKqNdimCVkS7HDDgGA7SWtU1CZ9JgbElauw2tma7YIsANzozWrTYim1FuYnqIeo02NYeKoVbGtGmaRimOnFkNDianSohofMjRtbAbG0o+wWpV1DhBYlXUcr6trec45K5recizaNTYlCpMo+jwobYU/Y5HYkxOc43YoxOcg/sC+AewKTr8Db4oeLYm+KGv+Uj3mv+VaQVaI1rSE5ksHgIp7Iqajeyva7nNzMSa7nIe6nNboiST2zDUIJqPA62To47WVKOGdWGCtF8kAnfGdDX3Otr7iZUDA2K0xwNlzaimKIZIgIhsa0Kp4qmKNNjYzayMUxU5pc+xpdJYyssP6iH6sX3tOkygLNSe/i+pH97S/ymZQvznx/Jf0S2EyZ6P+wFcdKrvHHXStfHjika9tq4O+BNJY5UXWB8xk8sf2IUbFHOSD+rlbdeZVT8Fuwugp66V0NSxHtzVWy77pxjnSyQyfC57f8A3vFUlmdhix+KEVtyd6E0sj1KLUVVTAt2Su+6nNimSGGtRVjZm/IZ5UezSYpIjtKIPdzjTvI85MHEzheP1SORHPVT5LimGtpH2avEY1Vqa5MWoRyvt2BMIVGm7x6T69hla6VqKpwUs72vzbkJqYMBC9o81ze8aZULbE66FqhfdDU1BXDGJ2IOFK0ykdZDOV1kFlJS4j7Q23HUJLfESikiwaQVZUKxFK5WVKpxIYw0TW6TY6ZE0GErzQxquU+dYtjroro1SNZG6Vd5sdUnnbcuhFHKkto5x25qJ39xRajH53Lyiy0mTss6XI3g/wADztuTSiknyEfiYvtzV+HBTlbjlQi8pSQkyTka26KRttSbmyoukVVlrwGtyK1cFLFh+UUt0RylYrMNkpl/shtnoWuTuGStt+A/RSHlZCitxPpmHYjwyIpxxTOjdYg9TTDbNGSWvgGSpYWuCS6Fjp5c5Bre01qgpkaaFQkGqSbVPGob42mpqCmFpi5Tx6iiCIdKWlE9LGP1BTYkbPLmoRFTNmoKbNQe9j87PuQuArq3x9l7PM3+ULFKZic3CPTqJjJmVZGyqu9P2BUfT/5jJ5Y/sQtwqPp/8xk8sf2IVbFfgp8/0p9Oye/1O+lfygit+lCZWQhlv1EzsuooFfsJjE+SptuWsjcnxEkuWsjcnxHmHctD4flDyxVCN141jjCN141n23BeQhUYfiESrholHau1jTKXuHYW+n2GMY40g3RjjSKZy7DObYSO2JoJK34UIzbXEmjXFqFVxJFzVKnW8oSzKKLew0TIbKCXBT4xjTXcIp04crUlS5J6NncIbhVKKqKdMDGsoe13p3lTbZH/ANj7JhUkeagwuq1xF9BWLia1tS4i6jtqppOmR8eaT00kWYLKluLcSN3GMkNZOiJgRuvmxUxpEW58wyhkiVFsaYVFa/ColhaKXLg0+uYC1yNS585ftI/cWkfqkH+4yEfqnH0el2E/R3sN0onU3yqaFJZpNs2GTBVAJGCuBTF5jJsHeiQk1sYRijcSS2S6CFq0WxXq5Fso9U6+8Z52/chYhXlMnvGeZv8AKFhlIqUVJFuWDJP4cvzT9gVF1gL/AIjJ5Y/sQt0rHpZeaWO4StmazKIkf5noqpgrEwwwI2spKiqizKeNXuTjsltn3+Z9AosUhwx7p5kVUtb+qXW6qnoNFrpXOVMEJpbadWJi/uI9D0iZh7t8SJ+yYGT7p2tMqcSozZO4rMtlhVqERiWXEEqKkcTvulh1uVaniMiJiuILPHreimLrrE3QuJNYZknVMciyJY+bV9dJWPvmqLY0wQZLtUJ3mNZ0gRdAw1dyx1n1HD8PWFqIaqWjfnZzkE9bJ3jXIpunnxEjnFmjZZCzQszUM2KLqZ42tcKYpDJ7boZSNuhJaCfAk9BUoqYEDpqrAeKO5YELVU2ehAVdKrthK5IxM5iovcaKW8IukWtqGO1lFxPAOGvZCItJEvGhnBcVbpHCG9fuNywoujAwWlKTUZLTIvEhLU+NTwcSKPf42niaZr3+40+ynqUpysyYnvyTrflJUOS1zOouCu0CdsaqveKEhRDx07W6yxUGTDmqiuQhJ6uSdbu4zOOMS19WiJghoqrsmoZKuvxPoVDhyRIiIggpnOW6mNbUDNUSG2oqcRDLIWWGOxYoIs1DXI40Kpk5xrVTtRCRahsaooicJEU3RvPHIYvQdqaUfKGqIvDKONPVEfNFnEXUQ5xPLVUo57PM3+ULKKVs1d72NP8AsZ9yF1FMxaLg3t67kxk3DwTZetU/YFBdbPzWXyxemhfpQXWx81l8sXpodeTf+tfpX8oTld8P7kSZO5NCm9twemtRMeF8VqLtQhVY1dqC5Lo7xUPxF3iIQMeDbuMOCZuFbqxfEwdOaAPUYiGSMRDNXmOJ4BlYyseopm1xrAWCoKWTCiOrG/tGSPNasRTU6NFHmK4KmsVxXdfEjiSGaTGh1O1TnfStdzErjvi+IoZ0gXxIelQZJUqaFomLzHM7D2LzEy/qJfExXpAviRD2pT32pTDQWbjX/Gs3Eokvi+IlluyrrGBakxWoNjaRqcxtbQtTmHaWvx1iSSqESzGCyHQ2FEOlsCIKHzGhzzBXmKqbkbY6EZYyVTHE8xPDOxnYzRTJrjWeop4qBUFLJDfHOIUcZI81qy5qcy5ILNU+/i+rH97ToY5ossv6iH60XqNOlymZRNzXx/Jf0S2FszUd9gKC62Pmsvli9NC/Sgutj5rL5YvTQ1ZOf61+lfyh013w/uRAAAvxDgAAAAAAAAAAAAAAAAAABiAABie4ngA8Pe0HaPAPBY97Qdo8ACx72gxPAADEAA9PQAAAAAAA9xPcTEDw8F9lX9TD9aL1GnTpzBZf9TD9aL1GnT5S8puXH8l/RK0GxwFT9Pur2sqq+SaBjFY5saIqyNav5WIi9y/uWwBX6Otko5OEjte1uP8A7qO2WJsqZrihc0lw3cfNaGaS4buPmtL6AltY6vc3uX1OfQY+soXNJcN3HzWhmkuG7j5rS+gGsdXub3L6jQY+soXNJcN3HzWhmkuG7j5rS+gGsdXub3L6jQY+soXNJcN3HzWhmkuG7j5rS+gGsdXub3L6jQY+soXNJcN3HzWhmkuG7j5rS+gGsdXub3L6jQY+soXNJcN3HzWhmkuG7j5rS+gGsdXub3L6jQY+soXNJcN3HzWhmkuG7j5rS+gGsdXub3L6jQY+soXNJcN3HzWhmkuG7j5rS+gGsdXub3L6jQY+soXNJcN3HzWhmkuG7j5rS+gGsdXub3L6jQY+soXNJcN3HzWhmkuG7j5rS+gGsdXub3L6jQY+soXNJcN3HzWhmkuG7j5rS+gGsdXub3L6jQY+soXNJcN3HzWhmkuG7j5rS+gGsdXub3L6jQY+soXNJcN3HzWhmkuG7j5rS+gGsdXub3L6jQY+soXNJcN3HzWhmkuG7j5rS+gGsdXub3L6jQY+soXNJcN3HzWhmkuG7j5rS+gGsdXub3L6jQY+so629VdeyaJ7o2dlskbl963Q16Kv9kLxACNrsQlrVasiJ/Xd1m+KFsV83nAAAjzcAAAAAAAAAAAAAAAAAAAAAAAAAAAAAAAAAAAAAAAAAAAAAAAAAAAAAAAAAAB//9k="/>
           <p:cNvSpPr txBox="1"/>
           <p:nvPr/>
@@ -50731,8 +50189,24 @@
           <a:p>
             <a:pPr lvl="0"/>
             <a:r>
+              <a:rPr lang="uk-UA" dirty="0" smtClean="0"/>
+              <a:t>Одною з характеристик походу для користувача е його складність</a:t>
+            </a:r>
+            <a:r>
+              <a:rPr lang="uk-UA" sz="1400" b="0" i="0" u="none" strike="noStrike" cap="none" dirty="0" smtClean="0">
+                <a:solidFill>
+                  <a:srgbClr val="000000"/>
+                </a:solidFill>
+                <a:latin typeface="Arial"/>
+                <a:ea typeface="Arial"/>
+                <a:cs typeface="Arial"/>
+                <a:sym typeface="Arial"/>
+              </a:rPr>
+              <a:t> . Але </a:t>
+            </a:r>
+            <a:r>
               <a:rPr lang="ru-RU" dirty="0" err="1" smtClean="0"/>
-              <a:t>Користувачі</a:t>
+              <a:t>ця</a:t>
             </a:r>
             <a:r>
               <a:rPr lang="ru-RU" dirty="0" smtClean="0"/>
@@ -50740,58 +50214,40 @@
             </a:r>
             <a:r>
               <a:rPr lang="ru-RU" dirty="0" err="1" smtClean="0"/>
-              <a:t>записувалися</a:t>
+              <a:t>оцінка</a:t>
             </a:r>
             <a:r>
               <a:rPr lang="ru-RU" dirty="0" smtClean="0"/>
-              <a:t> до походу через сайт</a:t>
-            </a:r>
-            <a:endParaRPr sz="1400" b="0" i="0" u="none" strike="noStrike" cap="none">
-              <a:solidFill>
-                <a:srgbClr val="000000"/>
-              </a:solidFill>
-              <a:latin typeface="Arial"/>
-              <a:ea typeface="Arial"/>
-              <a:cs typeface="Arial"/>
-              <a:sym typeface="Arial"/>
-            </a:endParaRPr>
-          </a:p>
-          <a:p>
-            <a:pPr marL="0" marR="0" lvl="0" indent="0" algn="l" rtl="0">
-              <a:lnSpc>
-                <a:spcPct val="100000"/>
-              </a:lnSpc>
-              <a:spcBef>
-                <a:spcPts val="0"/>
-              </a:spcBef>
-              <a:spcAft>
-                <a:spcPts val="0"/>
-              </a:spcAft>
-              <a:buNone/>
-            </a:pPr>
-            <a:endParaRPr sz="1400" b="0" i="0" u="none" strike="noStrike" cap="none">
-              <a:solidFill>
-                <a:srgbClr val="000000"/>
-              </a:solidFill>
-              <a:latin typeface="Arial"/>
-              <a:ea typeface="Arial"/>
-              <a:cs typeface="Arial"/>
-              <a:sym typeface="Arial"/>
-            </a:endParaRPr>
-          </a:p>
-          <a:p>
-            <a:pPr marL="0" marR="0" lvl="0" indent="0" algn="l" rtl="0">
-              <a:lnSpc>
-                <a:spcPct val="100000"/>
-              </a:lnSpc>
-              <a:spcBef>
-                <a:spcPts val="0"/>
-              </a:spcBef>
-              <a:spcAft>
-                <a:spcPts val="0"/>
-              </a:spcAft>
-              <a:buNone/>
-            </a:pPr>
+              <a:t> </a:t>
+            </a:r>
+            <a:r>
+              <a:rPr lang="ru-RU" dirty="0" err="1" smtClean="0"/>
+              <a:t>є</a:t>
+            </a:r>
+            <a:r>
+              <a:rPr lang="ru-RU" dirty="0" smtClean="0"/>
+              <a:t> не </a:t>
+            </a:r>
+            <a:r>
+              <a:rPr lang="ru-RU" dirty="0" err="1" smtClean="0"/>
+              <a:t>враховує</a:t>
+            </a:r>
+            <a:r>
+              <a:rPr lang="ru-RU" dirty="0" smtClean="0"/>
+              <a:t> </a:t>
+            </a:r>
+            <a:r>
+              <a:rPr lang="ru-RU" dirty="0" err="1" smtClean="0"/>
+              <a:t>фізичні</a:t>
+            </a:r>
+            <a:r>
+              <a:rPr lang="ru-RU" dirty="0" smtClean="0"/>
+              <a:t> характеристики </a:t>
+            </a:r>
+            <a:r>
+              <a:rPr lang="ru-RU" dirty="0" err="1" smtClean="0"/>
+              <a:t>користувача</a:t>
+            </a:r>
             <a:endParaRPr sz="1400" b="0" i="0" u="none" strike="noStrike" cap="none">
               <a:solidFill>
                 <a:srgbClr val="000000"/>
@@ -50812,7 +50268,7 @@
         </p:nvSpPr>
         <p:spPr>
           <a:xfrm>
-            <a:off x="3203848" y="1258887"/>
+            <a:off x="3214678" y="785794"/>
             <a:ext cx="2838088" cy="2980928"/>
           </a:xfrm>
           <a:prstGeom prst="rect">
@@ -50887,34 +50343,11 @@
             </a:endParaRPr>
           </a:p>
           <a:p>
-            <a:pPr marL="0" marR="0" lvl="0" indent="0" algn="l" rtl="0">
-              <a:lnSpc>
-                <a:spcPct val="100000"/>
-              </a:lnSpc>
-              <a:spcBef>
-                <a:spcPts val="0"/>
-              </a:spcBef>
-              <a:spcAft>
-                <a:spcPts val="0"/>
-              </a:spcAft>
-              <a:buNone/>
-            </a:pPr>
-            <a:endParaRPr sz="1400" b="0" i="1" u="none" strike="noStrike" cap="none">
-              <a:solidFill>
-                <a:srgbClr val="C00000"/>
-              </a:solidFill>
-              <a:latin typeface="Arial"/>
-              <a:ea typeface="Arial"/>
-              <a:cs typeface="Arial"/>
-              <a:sym typeface="Arial"/>
-            </a:endParaRPr>
+            <a:pPr lvl="0"/>
+            <a:endParaRPr lang="ru-RU" i="1" dirty="0" smtClean="0"/>
           </a:p>
           <a:p>
-            <a:pPr marL="285750" lvl="0" indent="-285750">
-              <a:buSzPts val="1400"/>
-              <a:buFont typeface="Arial"/>
-              <a:buChar char="•"/>
-            </a:pPr>
+            <a:pPr lvl="0"/>
             <a:r>
               <a:rPr lang="ru-RU" dirty="0" err="1" smtClean="0"/>
               <a:t>Користувачі</a:t>
@@ -50933,7 +50366,15 @@
             </a:r>
             <a:r>
               <a:rPr lang="ru-RU" dirty="0" err="1" smtClean="0"/>
-              <a:t>мали</a:t>
+              <a:t>можуть</a:t>
+            </a:r>
+            <a:endParaRPr lang="ru-RU" dirty="0" smtClean="0"/>
+          </a:p>
+          <a:p>
+            <a:pPr lvl="0"/>
+            <a:r>
+              <a:rPr lang="ru-RU" dirty="0" err="1" smtClean="0"/>
+              <a:t>Оцінити</a:t>
             </a:r>
             <a:r>
               <a:rPr lang="ru-RU" dirty="0" smtClean="0"/>
@@ -50941,7 +50382,31 @@
             </a:r>
             <a:r>
               <a:rPr lang="ru-RU" dirty="0" err="1" smtClean="0"/>
-              <a:t>змогу</a:t>
+              <a:t>власні</a:t>
+            </a:r>
+            <a:r>
+              <a:rPr lang="ru-RU" dirty="0" smtClean="0"/>
+              <a:t>  </a:t>
+            </a:r>
+            <a:r>
+              <a:rPr lang="ru-RU" dirty="0" err="1" smtClean="0"/>
+              <a:t>сили</a:t>
+            </a:r>
+            <a:r>
+              <a:rPr lang="ru-RU" dirty="0" smtClean="0"/>
+              <a:t> для </a:t>
+            </a:r>
+            <a:r>
+              <a:rPr lang="ru-RU" dirty="0" err="1" smtClean="0"/>
+              <a:t>проходження</a:t>
+            </a:r>
+            <a:r>
+              <a:rPr lang="ru-RU" dirty="0" smtClean="0"/>
+              <a:t> походу та </a:t>
+            </a:r>
+            <a:r>
+              <a:rPr lang="ru-RU" dirty="0" err="1" smtClean="0"/>
+              <a:t>його</a:t>
             </a:r>
             <a:r>
               <a:rPr lang="ru-RU" dirty="0" smtClean="0"/>
@@ -50949,129 +50414,20 @@
             </a:r>
             <a:r>
               <a:rPr lang="ru-RU" dirty="0" err="1" smtClean="0"/>
-              <a:t>користуватися</a:t>
+              <a:t>складності</a:t>
             </a:r>
             <a:r>
               <a:rPr lang="ru-RU" dirty="0" smtClean="0"/>
-              <a:t> </a:t>
+              <a:t>  </a:t>
             </a:r>
             <a:r>
               <a:rPr lang="ru-RU" dirty="0" err="1" smtClean="0"/>
-              <a:t>зручно</a:t>
+              <a:t>саме</a:t>
             </a:r>
             <a:r>
               <a:rPr lang="ru-RU" dirty="0" smtClean="0"/>
-              <a:t> сайтом через </a:t>
-            </a:r>
-            <a:r>
-              <a:rPr lang="ru-RU" dirty="0" err="1" smtClean="0"/>
-              <a:t>проблеми</a:t>
-            </a:r>
-            <a:r>
-              <a:rPr lang="ru-RU" dirty="0" smtClean="0"/>
-              <a:t> </a:t>
-            </a:r>
-            <a:r>
-              <a:rPr lang="ru-RU" dirty="0" err="1" smtClean="0"/>
-              <a:t>з</a:t>
-            </a:r>
-            <a:r>
-              <a:rPr lang="ru-RU" dirty="0" smtClean="0"/>
-              <a:t> </a:t>
-            </a:r>
-            <a:r>
-              <a:rPr lang="ru-RU" dirty="0" err="1" smtClean="0"/>
-              <a:t>розміткою</a:t>
-            </a:r>
-            <a:r>
-              <a:rPr lang="ru-RU" dirty="0" smtClean="0"/>
-              <a:t> </a:t>
-            </a:r>
-            <a:r>
-              <a:rPr lang="ru-RU" dirty="0" err="1" smtClean="0"/>
-              <a:t>під</a:t>
-            </a:r>
-            <a:r>
-              <a:rPr lang="ru-RU" dirty="0" smtClean="0"/>
-              <a:t> </a:t>
-            </a:r>
-            <a:r>
-              <a:rPr lang="ru-RU" dirty="0" err="1" smtClean="0"/>
-              <a:t>різні</a:t>
-            </a:r>
-            <a:r>
-              <a:rPr lang="ru-RU" dirty="0" smtClean="0"/>
-              <a:t> </a:t>
-            </a:r>
-            <a:r>
-              <a:rPr lang="ru-RU" dirty="0" err="1" smtClean="0"/>
-              <a:t>дивайси</a:t>
-            </a:r>
-            <a:r>
-              <a:rPr lang="ru-RU" dirty="0" smtClean="0"/>
-              <a:t> та </a:t>
-            </a:r>
-            <a:r>
-              <a:rPr lang="ru-RU" dirty="0" err="1" smtClean="0"/>
-              <a:t>операційні</a:t>
-            </a:r>
-            <a:r>
-              <a:rPr lang="ru-RU" dirty="0" smtClean="0"/>
-              <a:t> </a:t>
-            </a:r>
-            <a:r>
-              <a:rPr lang="ru-RU" dirty="0" err="1" smtClean="0"/>
-              <a:t>системи</a:t>
-            </a:r>
-            <a:r>
-              <a:rPr lang="ru-RU" dirty="0" smtClean="0"/>
-              <a:t> </a:t>
-            </a:r>
-            <a:r>
-              <a:rPr lang="ru-RU" dirty="0" err="1" smtClean="0"/>
-              <a:t>або</a:t>
-            </a:r>
-            <a:r>
-              <a:rPr lang="ru-RU" dirty="0" smtClean="0"/>
-              <a:t> при </a:t>
-            </a:r>
-            <a:r>
-              <a:rPr lang="ru-RU" dirty="0" err="1" smtClean="0"/>
-              <a:t>слабкому</a:t>
-            </a:r>
-            <a:r>
-              <a:rPr lang="ru-RU" dirty="0" smtClean="0"/>
-              <a:t> </a:t>
-            </a:r>
-            <a:r>
-              <a:rPr lang="ru-RU" dirty="0" err="1" smtClean="0"/>
-              <a:t>з'єднані</a:t>
-            </a:r>
-            <a:r>
-              <a:rPr lang="ru-RU" dirty="0" smtClean="0"/>
-              <a:t> </a:t>
-            </a:r>
-            <a:r>
-              <a:rPr lang="ru-RU" dirty="0" err="1" smtClean="0"/>
-              <a:t>з</a:t>
-            </a:r>
-            <a:r>
-              <a:rPr lang="ru-RU" dirty="0" smtClean="0"/>
-              <a:t> </a:t>
-            </a:r>
-            <a:r>
-              <a:rPr lang="ru-RU" dirty="0" err="1" smtClean="0"/>
-              <a:t>інтернетом</a:t>
-            </a:r>
-            <a:endParaRPr sz="1400" b="0" i="1" u="none" strike="noStrike" cap="none">
-              <a:solidFill>
-                <a:srgbClr val="000000"/>
-              </a:solidFill>
-              <a:latin typeface="Arial"/>
-              <a:ea typeface="Arial"/>
-              <a:cs typeface="Arial"/>
-              <a:sym typeface="Arial"/>
-            </a:endParaRPr>
+              <a:t> для них</a:t>
+            </a:r>
           </a:p>
           <a:p>
             <a:pPr marL="0" marR="0" lvl="0" indent="0" algn="l" rtl="0">
@@ -51385,74 +50741,31 @@
             </a:endParaRPr>
           </a:p>
           <a:p>
-            <a:pPr marL="285750" lvl="0" indent="-285750">
-              <a:buSzPts val="1400"/>
-              <a:buFont typeface="Arial"/>
-              <a:buChar char="•"/>
-            </a:pPr>
+            <a:pPr lvl="0"/>
+            <a:r>
+              <a:rPr lang="uk-UA" sz="1400" b="0" i="0" u="none" strike="noStrike" cap="none" dirty="0" smtClean="0">
+                <a:solidFill>
+                  <a:srgbClr val="000000"/>
+                </a:solidFill>
+                <a:latin typeface="Arial"/>
+                <a:ea typeface="Arial"/>
+                <a:cs typeface="Arial"/>
+                <a:sym typeface="Arial"/>
+              </a:rPr>
+              <a:t>Алгоритм який має змогу на основі відгуків користувачів навчитися точно прогнозувати складність на  основі </a:t>
+            </a:r>
             <a:r>
               <a:rPr lang="ru-RU" dirty="0" err="1" smtClean="0"/>
-              <a:t>Месеннджер</a:t>
+              <a:t>фізичних</a:t>
             </a:r>
             <a:r>
               <a:rPr lang="ru-RU" dirty="0" smtClean="0"/>
-              <a:t> бот </a:t>
-            </a:r>
-            <a:r>
-              <a:rPr lang="ru-RU" dirty="0" smtClean="0"/>
-              <a:t>через </a:t>
+              <a:t> характеристики </a:t>
             </a:r>
             <a:r>
               <a:rPr lang="ru-RU" dirty="0" err="1" smtClean="0"/>
-              <a:t>який</a:t>
-            </a:r>
-            <a:r>
-              <a:rPr lang="ru-RU" dirty="0" smtClean="0"/>
-              <a:t> </a:t>
-            </a:r>
-            <a:r>
-              <a:rPr lang="ru-RU" dirty="0" err="1" smtClean="0"/>
-              <a:t>можна</a:t>
-            </a:r>
-            <a:r>
-              <a:rPr lang="ru-RU" dirty="0" smtClean="0"/>
-              <a:t> </a:t>
-            </a:r>
-            <a:r>
-              <a:rPr lang="ru-RU" dirty="0" err="1" smtClean="0"/>
-              <a:t>замовити</a:t>
-            </a:r>
-            <a:r>
-              <a:rPr lang="ru-RU" dirty="0" smtClean="0"/>
-              <a:t> </a:t>
-            </a:r>
-            <a:r>
-              <a:rPr lang="ru-RU" dirty="0" err="1" smtClean="0"/>
-              <a:t>похід</a:t>
-            </a:r>
-            <a:endParaRPr sz="1400" b="0" i="0" u="none" strike="noStrike" cap="none">
-              <a:solidFill>
-                <a:srgbClr val="000000"/>
-              </a:solidFill>
-              <a:latin typeface="Arial"/>
-              <a:ea typeface="Arial"/>
-              <a:cs typeface="Arial"/>
-              <a:sym typeface="Arial"/>
-            </a:endParaRPr>
-          </a:p>
-          <a:p>
-            <a:pPr marL="0" marR="0" lvl="0" indent="0" algn="l" rtl="0">
-              <a:lnSpc>
-                <a:spcPct val="100000"/>
-              </a:lnSpc>
-              <a:spcBef>
-                <a:spcPts val="0"/>
-              </a:spcBef>
-              <a:spcAft>
-                <a:spcPts val="0"/>
-              </a:spcAft>
-              <a:buNone/>
-            </a:pPr>
+              <a:t>користувача</a:t>
+            </a:r>
             <a:endParaRPr sz="1400" b="0" i="0" u="none" strike="noStrike" cap="none">
               <a:solidFill>
                 <a:srgbClr val="000000"/>
@@ -51465,9 +50778,69 @@
           </a:p>
         </p:txBody>
       </p:sp>
+      <p:sp>
+        <p:nvSpPr>
+          <p:cNvPr id="12290" name="AutoShape 2" descr="Куда пойти в поход на майские? | Фильмы ужасов - отзывы - рецензии ..."/>
+          <p:cNvSpPr>
+            <a:spLocks noChangeAspect="1" noChangeArrowheads="1"/>
+          </p:cNvSpPr>
+          <p:nvPr/>
+        </p:nvSpPr>
+        <p:spPr bwMode="auto">
+          <a:xfrm>
+            <a:off x="155575" y="-144463"/>
+            <a:ext cx="304800" cy="304801"/>
+          </a:xfrm>
+          <a:prstGeom prst="rect">
+            <a:avLst/>
+          </a:prstGeom>
+          <a:noFill/>
+        </p:spPr>
+        <p:txBody>
+          <a:bodyPr vert="horz" wrap="square" lIns="91440" tIns="45720" rIns="91440" bIns="45720" numCol="1" anchor="t" anchorCtr="0" compatLnSpc="1">
+            <a:prstTxWarp prst="textNoShape">
+              <a:avLst/>
+            </a:prstTxWarp>
+          </a:bodyPr>
+          <a:lstStyle/>
+          <a:p>
+            <a:endParaRPr lang="ru-RU"/>
+          </a:p>
+        </p:txBody>
+      </p:sp>
+      <p:sp>
+        <p:nvSpPr>
+          <p:cNvPr id="12292" name="AutoShape 4" descr="Куда пойти в поход на майские? | Фильмы ужасов - отзывы - рецензии ..."/>
+          <p:cNvSpPr>
+            <a:spLocks noChangeAspect="1" noChangeArrowheads="1"/>
+          </p:cNvSpPr>
+          <p:nvPr/>
+        </p:nvSpPr>
+        <p:spPr bwMode="auto">
+          <a:xfrm>
+            <a:off x="155575" y="-144463"/>
+            <a:ext cx="304800" cy="304801"/>
+          </a:xfrm>
+          <a:prstGeom prst="rect">
+            <a:avLst/>
+          </a:prstGeom>
+          <a:noFill/>
+        </p:spPr>
+        <p:txBody>
+          <a:bodyPr vert="horz" wrap="square" lIns="91440" tIns="45720" rIns="91440" bIns="45720" numCol="1" anchor="t" anchorCtr="0" compatLnSpc="1">
+            <a:prstTxWarp prst="textNoShape">
+              <a:avLst/>
+            </a:prstTxWarp>
+          </a:bodyPr>
+          <a:lstStyle/>
+          <a:p>
+            <a:endParaRPr lang="ru-RU"/>
+          </a:p>
+        </p:txBody>
+      </p:sp>
       <p:pic>
         <p:nvPicPr>
-          <p:cNvPr id="14338" name="Picture 2" descr="1 сентября в Армавире начнут учить пенсионеров компьютерной ..."/>
+          <p:cNvPr id="12293" name="Picture 5" descr="C:\Users\sergy\Downloads\Без названия.jpg"/>
           <p:cNvPicPr>
             <a:picLocks noChangeAspect="1" noChangeArrowheads="1"/>
           </p:cNvPicPr>
@@ -51475,15 +50848,15 @@
         </p:nvPicPr>
         <p:blipFill>
           <a:blip r:embed="rId4"/>
-          <a:srcRect/>
+          <a:srcRect l="25697" t="8824" r="34152"/>
           <a:stretch>
             <a:fillRect/>
           </a:stretch>
         </p:blipFill>
         <p:spPr bwMode="auto">
           <a:xfrm>
-            <a:off x="0" y="3500438"/>
-            <a:ext cx="4214842" cy="3161131"/>
+            <a:off x="3500430" y="3286124"/>
+            <a:ext cx="2304452" cy="2857520"/>
           </a:xfrm>
           <a:prstGeom prst="rect">
             <a:avLst/>
@@ -51491,9 +50864,219 @@
           <a:noFill/>
         </p:spPr>
       </p:pic>
+      <p:sp>
+        <p:nvSpPr>
+          <p:cNvPr id="12295" name="AutoShape 7" descr="Пешеходный туризм | Здоровый образ жизни | Яндекс Дзен"/>
+          <p:cNvSpPr>
+            <a:spLocks noChangeAspect="1" noChangeArrowheads="1"/>
+          </p:cNvSpPr>
+          <p:nvPr/>
+        </p:nvSpPr>
+        <p:spPr bwMode="auto">
+          <a:xfrm>
+            <a:off x="155575" y="-144463"/>
+            <a:ext cx="304800" cy="304801"/>
+          </a:xfrm>
+          <a:prstGeom prst="rect">
+            <a:avLst/>
+          </a:prstGeom>
+          <a:noFill/>
+        </p:spPr>
+        <p:txBody>
+          <a:bodyPr vert="horz" wrap="square" lIns="91440" tIns="45720" rIns="91440" bIns="45720" numCol="1" anchor="t" anchorCtr="0" compatLnSpc="1">
+            <a:prstTxWarp prst="textNoShape">
+              <a:avLst/>
+            </a:prstTxWarp>
+          </a:bodyPr>
+          <a:lstStyle/>
+          <a:p>
+            <a:endParaRPr lang="ru-RU"/>
+          </a:p>
+        </p:txBody>
+      </p:sp>
+      <p:sp>
+        <p:nvSpPr>
+          <p:cNvPr id="12297" name="AutoShape 9" descr="Пешеходный туризм | Здоровый образ жизни | Яндекс Дзен"/>
+          <p:cNvSpPr>
+            <a:spLocks noChangeAspect="1" noChangeArrowheads="1"/>
+          </p:cNvSpPr>
+          <p:nvPr/>
+        </p:nvSpPr>
+        <p:spPr bwMode="auto">
+          <a:xfrm>
+            <a:off x="155575" y="-144463"/>
+            <a:ext cx="304800" cy="304801"/>
+          </a:xfrm>
+          <a:prstGeom prst="rect">
+            <a:avLst/>
+          </a:prstGeom>
+          <a:noFill/>
+        </p:spPr>
+        <p:txBody>
+          <a:bodyPr vert="horz" wrap="square" lIns="91440" tIns="45720" rIns="91440" bIns="45720" numCol="1" anchor="t" anchorCtr="0" compatLnSpc="1">
+            <a:prstTxWarp prst="textNoShape">
+              <a:avLst/>
+            </a:prstTxWarp>
+          </a:bodyPr>
+          <a:lstStyle/>
+          <a:p>
+            <a:endParaRPr lang="ru-RU"/>
+          </a:p>
+        </p:txBody>
+      </p:sp>
+      <p:sp>
+        <p:nvSpPr>
+          <p:cNvPr id="12299" name="AutoShape 11" descr="Спортивный туризм - презентация онлайн"/>
+          <p:cNvSpPr>
+            <a:spLocks noChangeAspect="1" noChangeArrowheads="1"/>
+          </p:cNvSpPr>
+          <p:nvPr/>
+        </p:nvSpPr>
+        <p:spPr bwMode="auto">
+          <a:xfrm>
+            <a:off x="155575" y="-144463"/>
+            <a:ext cx="304800" cy="304801"/>
+          </a:xfrm>
+          <a:prstGeom prst="rect">
+            <a:avLst/>
+          </a:prstGeom>
+          <a:noFill/>
+        </p:spPr>
+        <p:txBody>
+          <a:bodyPr vert="horz" wrap="square" lIns="91440" tIns="45720" rIns="91440" bIns="45720" numCol="1" anchor="t" anchorCtr="0" compatLnSpc="1">
+            <a:prstTxWarp prst="textNoShape">
+              <a:avLst/>
+            </a:prstTxWarp>
+          </a:bodyPr>
+          <a:lstStyle/>
+          <a:p>
+            <a:endParaRPr lang="ru-RU"/>
+          </a:p>
+        </p:txBody>
+      </p:sp>
+      <p:sp>
+        <p:nvSpPr>
+          <p:cNvPr id="12301" name="AutoShape 13" descr="Спортивный туризм - презентация онлайн"/>
+          <p:cNvSpPr>
+            <a:spLocks noChangeAspect="1" noChangeArrowheads="1"/>
+          </p:cNvSpPr>
+          <p:nvPr/>
+        </p:nvSpPr>
+        <p:spPr bwMode="auto">
+          <a:xfrm>
+            <a:off x="155575" y="-144463"/>
+            <a:ext cx="304800" cy="304801"/>
+          </a:xfrm>
+          <a:prstGeom prst="rect">
+            <a:avLst/>
+          </a:prstGeom>
+          <a:noFill/>
+        </p:spPr>
+        <p:txBody>
+          <a:bodyPr vert="horz" wrap="square" lIns="91440" tIns="45720" rIns="91440" bIns="45720" numCol="1" anchor="t" anchorCtr="0" compatLnSpc="1">
+            <a:prstTxWarp prst="textNoShape">
+              <a:avLst/>
+            </a:prstTxWarp>
+          </a:bodyPr>
+          <a:lstStyle/>
+          <a:p>
+            <a:endParaRPr lang="ru-RU"/>
+          </a:p>
+        </p:txBody>
+      </p:sp>
+      <p:sp>
+        <p:nvSpPr>
+          <p:cNvPr id="12303" name="AutoShape 15" descr="Единая Всероссийская спортивная классификация маршрутов ..."/>
+          <p:cNvSpPr>
+            <a:spLocks noChangeAspect="1" noChangeArrowheads="1"/>
+          </p:cNvSpPr>
+          <p:nvPr/>
+        </p:nvSpPr>
+        <p:spPr bwMode="auto">
+          <a:xfrm>
+            <a:off x="155575" y="-144463"/>
+            <a:ext cx="304800" cy="304801"/>
+          </a:xfrm>
+          <a:prstGeom prst="rect">
+            <a:avLst/>
+          </a:prstGeom>
+          <a:noFill/>
+        </p:spPr>
+        <p:txBody>
+          <a:bodyPr vert="horz" wrap="square" lIns="91440" tIns="45720" rIns="91440" bIns="45720" numCol="1" anchor="t" anchorCtr="0" compatLnSpc="1">
+            <a:prstTxWarp prst="textNoShape">
+              <a:avLst/>
+            </a:prstTxWarp>
+          </a:bodyPr>
+          <a:lstStyle/>
+          <a:p>
+            <a:endParaRPr lang="ru-RU"/>
+          </a:p>
+        </p:txBody>
+      </p:sp>
+      <p:sp>
+        <p:nvSpPr>
+          <p:cNvPr id="12305" name="AutoShape 17" descr="Единая Всероссийская спортивная классификация маршрутов ..."/>
+          <p:cNvSpPr>
+            <a:spLocks noChangeAspect="1" noChangeArrowheads="1"/>
+          </p:cNvSpPr>
+          <p:nvPr/>
+        </p:nvSpPr>
+        <p:spPr bwMode="auto">
+          <a:xfrm>
+            <a:off x="155575" y="-144463"/>
+            <a:ext cx="304800" cy="304801"/>
+          </a:xfrm>
+          <a:prstGeom prst="rect">
+            <a:avLst/>
+          </a:prstGeom>
+          <a:noFill/>
+        </p:spPr>
+        <p:txBody>
+          <a:bodyPr vert="horz" wrap="square" lIns="91440" tIns="45720" rIns="91440" bIns="45720" numCol="1" anchor="t" anchorCtr="0" compatLnSpc="1">
+            <a:prstTxWarp prst="textNoShape">
+              <a:avLst/>
+            </a:prstTxWarp>
+          </a:bodyPr>
+          <a:lstStyle/>
+          <a:p>
+            <a:endParaRPr lang="ru-RU"/>
+          </a:p>
+        </p:txBody>
+      </p:sp>
+      <p:sp>
+        <p:nvSpPr>
+          <p:cNvPr id="12307" name="AutoShape 19" descr="Единая Всероссийская спортивная классификация маршрутов ..."/>
+          <p:cNvSpPr>
+            <a:spLocks noChangeAspect="1" noChangeArrowheads="1"/>
+          </p:cNvSpPr>
+          <p:nvPr/>
+        </p:nvSpPr>
+        <p:spPr bwMode="auto">
+          <a:xfrm>
+            <a:off x="155575" y="-144463"/>
+            <a:ext cx="304800" cy="304801"/>
+          </a:xfrm>
+          <a:prstGeom prst="rect">
+            <a:avLst/>
+          </a:prstGeom>
+          <a:noFill/>
+        </p:spPr>
+        <p:txBody>
+          <a:bodyPr vert="horz" wrap="square" lIns="91440" tIns="45720" rIns="91440" bIns="45720" numCol="1" anchor="t" anchorCtr="0" compatLnSpc="1">
+            <a:prstTxWarp prst="textNoShape">
+              <a:avLst/>
+            </a:prstTxWarp>
+          </a:bodyPr>
+          <a:lstStyle/>
+          <a:p>
+            <a:endParaRPr lang="ru-RU"/>
+          </a:p>
+        </p:txBody>
+      </p:sp>
       <p:pic>
         <p:nvPicPr>
-          <p:cNvPr id="14340" name="Picture 4" descr="девушка с телефоном на диване» | Бесплатно Фото"/>
+          <p:cNvPr id="12308" name="Picture 20" descr="C:\Users\sergy\Downloads\Без названия (1).jpg"/>
           <p:cNvPicPr>
             <a:picLocks noChangeAspect="1" noChangeArrowheads="1"/>
           </p:cNvPicPr>
@@ -51508,8 +51091,64 @@
         </p:blipFill>
         <p:spPr bwMode="auto">
           <a:xfrm>
-            <a:off x="5714976" y="3786190"/>
-            <a:ext cx="3429024" cy="2284190"/>
+            <a:off x="285720" y="3643314"/>
+            <a:ext cx="2861202" cy="2143140"/>
+          </a:xfrm>
+          <a:prstGeom prst="rect">
+            <a:avLst/>
+          </a:prstGeom>
+          <a:noFill/>
+        </p:spPr>
+      </p:pic>
+      <p:sp>
+        <p:nvSpPr>
+          <p:cNvPr id="12310" name="AutoShape 22" descr="Журнал Международная жизнь - Искусственный интеллект: мир как мозг ..."/>
+          <p:cNvSpPr>
+            <a:spLocks noChangeAspect="1" noChangeArrowheads="1"/>
+          </p:cNvSpPr>
+          <p:nvPr/>
+        </p:nvSpPr>
+        <p:spPr bwMode="auto">
+          <a:xfrm>
+            <a:off x="155575" y="-144463"/>
+            <a:ext cx="304800" cy="304801"/>
+          </a:xfrm>
+          <a:prstGeom prst="rect">
+            <a:avLst/>
+          </a:prstGeom>
+          <a:noFill/>
+        </p:spPr>
+        <p:txBody>
+          <a:bodyPr vert="horz" wrap="square" lIns="91440" tIns="45720" rIns="91440" bIns="45720" numCol="1" anchor="t" anchorCtr="0" compatLnSpc="1">
+            <a:prstTxWarp prst="textNoShape">
+              <a:avLst/>
+            </a:prstTxWarp>
+          </a:bodyPr>
+          <a:lstStyle/>
+          <a:p>
+            <a:endParaRPr lang="ru-RU"/>
+          </a:p>
+        </p:txBody>
+      </p:sp>
+      <p:pic>
+        <p:nvPicPr>
+          <p:cNvPr id="12311" name="Picture 23" descr="C:\Users\sergy\Downloads\Без названия (2).jpg"/>
+          <p:cNvPicPr>
+            <a:picLocks noChangeAspect="1" noChangeArrowheads="1"/>
+          </p:cNvPicPr>
+          <p:nvPr/>
+        </p:nvPicPr>
+        <p:blipFill>
+          <a:blip r:embed="rId6"/>
+          <a:srcRect/>
+          <a:stretch>
+            <a:fillRect/>
+          </a:stretch>
+        </p:blipFill>
+        <p:spPr bwMode="auto">
+          <a:xfrm>
+            <a:off x="6143636" y="3571876"/>
+            <a:ext cx="2619375" cy="1743075"/>
           </a:xfrm>
           <a:prstGeom prst="rect">
             <a:avLst/>
@@ -51641,190 +51280,6 @@
       </p:sp>
       <p:sp>
         <p:nvSpPr>
-          <p:cNvPr id="192" name="Google Shape;192;p27"/>
-          <p:cNvSpPr txBox="1"/>
-          <p:nvPr/>
-        </p:nvSpPr>
-        <p:spPr>
-          <a:xfrm>
-            <a:off x="8372475" y="188912"/>
-            <a:ext cx="663575" cy="360362"/>
-          </a:xfrm>
-          <a:prstGeom prst="rect">
-            <a:avLst/>
-          </a:prstGeom>
-          <a:gradFill>
-            <a:gsLst>
-              <a:gs pos="0">
-                <a:srgbClr val="A3C4FF"/>
-              </a:gs>
-              <a:gs pos="35000">
-                <a:srgbClr val="BFD5FF"/>
-              </a:gs>
-              <a:gs pos="100000">
-                <a:srgbClr val="E5EEFF"/>
-              </a:gs>
-            </a:gsLst>
-            <a:lin ang="16200000" scaled="0"/>
-          </a:gradFill>
-          <a:ln w="9525" cap="flat" cmpd="sng">
-            <a:solidFill>
-              <a:srgbClr val="4A7EBB"/>
-            </a:solidFill>
-            <a:prstDash val="solid"/>
-            <a:miter lim="800000"/>
-            <a:headEnd type="none" w="sm" len="sm"/>
-            <a:tailEnd type="none" w="sm" len="sm"/>
-          </a:ln>
-          <a:effectLst>
-            <a:outerShdw blurRad="63500" dist="38100" dir="5400000">
-              <a:srgbClr val="000000">
-                <a:alpha val="39215"/>
-              </a:srgbClr>
-            </a:outerShdw>
-          </a:effectLst>
-        </p:spPr>
-        <p:txBody>
-          <a:bodyPr spcFirstLastPara="1" wrap="square" lIns="91425" tIns="45700" rIns="91425" bIns="45700" anchor="ctr" anchorCtr="0">
-            <a:noAutofit/>
-          </a:bodyPr>
-          <a:lstStyle/>
-          <a:p>
-            <a:pPr marL="0" marR="0" lvl="0" indent="0" algn="ctr" rtl="0">
-              <a:lnSpc>
-                <a:spcPct val="100000"/>
-              </a:lnSpc>
-              <a:spcBef>
-                <a:spcPts val="0"/>
-              </a:spcBef>
-              <a:spcAft>
-                <a:spcPts val="0"/>
-              </a:spcAft>
-              <a:buClr>
-                <a:srgbClr val="000000"/>
-              </a:buClr>
-              <a:buSzPts val="1800"/>
-              <a:buFont typeface="Calibri"/>
-              <a:buNone/>
-            </a:pPr>
-            <a:r>
-              <a:rPr lang="ru-RU" sz="1800" b="1" i="0" u="none" strike="noStrike" cap="none">
-                <a:solidFill>
-                  <a:srgbClr val="000000"/>
-                </a:solidFill>
-                <a:latin typeface="Calibri"/>
-                <a:ea typeface="Calibri"/>
-                <a:cs typeface="Calibri"/>
-                <a:sym typeface="Calibri"/>
-              </a:rPr>
-              <a:t>19</a:t>
-            </a:r>
-            <a:endParaRPr sz="1400" b="0" i="0" u="none" strike="noStrike" cap="none">
-              <a:solidFill>
-                <a:srgbClr val="000000"/>
-              </a:solidFill>
-              <a:latin typeface="Arial"/>
-              <a:ea typeface="Arial"/>
-              <a:cs typeface="Arial"/>
-              <a:sym typeface="Arial"/>
-            </a:endParaRPr>
-          </a:p>
-        </p:txBody>
-      </p:sp>
-      <p:sp>
-        <p:nvSpPr>
-          <p:cNvPr id="193" name="Google Shape;193;p27"/>
-          <p:cNvSpPr txBox="1"/>
-          <p:nvPr/>
-        </p:nvSpPr>
-        <p:spPr>
-          <a:xfrm>
-            <a:off x="8372475" y="188912"/>
-            <a:ext cx="663575" cy="360362"/>
-          </a:xfrm>
-          <a:prstGeom prst="rect">
-            <a:avLst/>
-          </a:prstGeom>
-          <a:gradFill>
-            <a:gsLst>
-              <a:gs pos="0">
-                <a:srgbClr val="A3C4FF"/>
-              </a:gs>
-              <a:gs pos="35000">
-                <a:srgbClr val="BFD5FF"/>
-              </a:gs>
-              <a:gs pos="100000">
-                <a:srgbClr val="E5EEFF"/>
-              </a:gs>
-            </a:gsLst>
-            <a:lin ang="16200000" scaled="0"/>
-          </a:gradFill>
-          <a:ln w="9525" cap="flat" cmpd="sng">
-            <a:solidFill>
-              <a:srgbClr val="4A7EBB"/>
-            </a:solidFill>
-            <a:prstDash val="solid"/>
-            <a:miter lim="800000"/>
-            <a:headEnd type="none" w="sm" len="sm"/>
-            <a:tailEnd type="none" w="sm" len="sm"/>
-          </a:ln>
-          <a:effectLst>
-            <a:outerShdw blurRad="63500" dist="38100" dir="5400000">
-              <a:srgbClr val="000000">
-                <a:alpha val="39215"/>
-              </a:srgbClr>
-            </a:outerShdw>
-          </a:effectLst>
-        </p:spPr>
-        <p:txBody>
-          <a:bodyPr spcFirstLastPara="1" wrap="square" lIns="91425" tIns="45700" rIns="91425" bIns="45700" anchor="ctr" anchorCtr="0">
-            <a:noAutofit/>
-          </a:bodyPr>
-          <a:lstStyle/>
-          <a:p>
-            <a:pPr marL="0" marR="0" lvl="0" indent="0" algn="ctr" rtl="0">
-              <a:lnSpc>
-                <a:spcPct val="100000"/>
-              </a:lnSpc>
-              <a:spcBef>
-                <a:spcPts val="0"/>
-              </a:spcBef>
-              <a:spcAft>
-                <a:spcPts val="0"/>
-              </a:spcAft>
-              <a:buClr>
-                <a:srgbClr val="000000"/>
-              </a:buClr>
-              <a:buSzPts val="1800"/>
-              <a:buFont typeface="Calibri"/>
-              <a:buNone/>
-            </a:pPr>
-            <a:r>
-              <a:rPr lang="ru-RU" sz="1800" b="1" i="0" u="none" strike="noStrike" cap="none">
-                <a:solidFill>
-                  <a:srgbClr val="000000"/>
-                </a:solidFill>
-                <a:latin typeface="Calibri"/>
-                <a:ea typeface="Calibri"/>
-                <a:cs typeface="Calibri"/>
-                <a:sym typeface="Calibri"/>
-              </a:rPr>
-              <a:t>2</a:t>
-            </a:r>
-            <a:endParaRPr sz="1400" b="0" i="0" u="none" strike="noStrike" cap="none">
-              <a:solidFill>
-                <a:srgbClr val="000000"/>
-              </a:solidFill>
-              <a:latin typeface="Arial"/>
-              <a:ea typeface="Arial"/>
-              <a:cs typeface="Arial"/>
-              <a:sym typeface="Arial"/>
-            </a:endParaRPr>
-          </a:p>
-        </p:txBody>
-      </p:sp>
-      <p:sp>
-        <p:nvSpPr>
           <p:cNvPr id="194" name="Google Shape;194;p27" descr="data:image/jpeg;base64,/9j/4AAQSkZJRgABAQAAAQABAAD/2wCEAAkGBhQSEBUUDxQVFRQUFBQUFBQUFBgUFBQUFBQVFBQUFBQXHSYeFxkkGRQUHy8gJCcpLCwsFR4xNTAqNSYrLCkBCQoKDgwOGg8PFykcHBwpLC8pLSk1LSkpKSkpKTUtKS0sLCk1NSwpKSkpKSkpKSkpLCk1KTUpNSwsKSk1LC8sKf/AABEIAJEBEAMBIgACEQEDEQH/xAAcAAABBAMBAAAAAAAAAAAAAAAABAUGBwIDCAH/xAA9EAABAwIBCAcGBQIHAAAAAAAAAQIDBAURExcxQVJTkZMGBxIhUXKzFCMyNXOyFSIkYbEWoSUzNEJDY3H/xAAbAQEAAgMBAQAAAAAAAAAAAAAABQYCAwQBB//EADYRAAEDAgEGDAYDAQAAAAAAAAABAgMEEQUGEhQWMVETITJBU2FikaGi0eEzcXKBscEVIjTw/9oADAMBAAIRAxEAPwC8AAoXrWlVLrLgqp+WLWu7QksOodNlWPOzbJfZf/tponm4Juda5fQHK2XdtO4qGXdtO4qT2rC9N5fc49P7PidUYnpytl3bS8VDLu2l4qNWF6by+40/s+J1SBytl3bS8VDLu2l4qNWF6by+40/s+J1SeIpyvl3bS8VDLu2l4qNWF6by+40/s+J1SBytl3bS8VDLu2l4qNWF6by+40/s+J1SeKpyvl3bS8VDLu2l4qNWF6by+40/s+J1SBytl3bS8VDLu2l4qNWF6by+40/s+J1SBytl3bS8VDLu2l4qNWF6by+40/s+J1RienK2XdtLxUMu7aXio1YXpvL7jT+z4nVIHK2XdtLxUMu7aXio1YXpvL7jT+z4nVJ5icr5d20vFQy7tpeKjVhem8vuNP7PidUgcrZd20vFQy7tpeKjVhem8vuNP7PidUgcrZZ20vFQy7tpeKjVhem8vuNP7PidUYnpytl3bS8VDLu2l4qNWF6by+40/s+J1SBytl3bS8VDLu2l4qNWF6by+40/s+J1SBzFZpne0w96/wCdFrXeNOnSGxPDdBVqZ+dnX5rbPup1wT8Mira1gKC62Pmsvli9NC/Sgutj5rL5YvTQ7cnP9a/Sv5Q013w/uRAAAvxDgAAAAAAAAAAAAAAAAGAAAGB72Tw8PAMuyHYFxcxAz7AdgXFzADPsB2BcXMAMuyHZFxcxA9wPMD0AAAD0AA9wAPAwPUQyRp5c8uKrKn6mH60XqNOnzmOyt/Uw/Wi9Rp04UvKblx/Jf0SuHrxOAoLrY+ay+WL00L9KF604HOu0qMa5fyxaGqv/ABp4HLk4tqpfpX8obK5bRce8hgDpB0cmd/sdwUVs6Jy60XgXd1TE3a5CvOqoW7XIMB7gSL+lnpqXga32ByajxKqNdimCVkS7HDDgGA7SWtU1CZ9JgbElauw2tma7YIsANzozWrTYim1FuYnqIeo02NYeKoVbGtGmaRimOnFkNDianSohofMjRtbAbG0o+wWpV1DhBYlXUcr6trec45K5recizaNTYlCpMo+jwobYU/Y5HYkxOc43YoxOcg/sC+AewKTr8Db4oeLYm+KGv+Uj3mv+VaQVaI1rSE5ksHgIp7Iqajeyva7nNzMSa7nIe6nNboiST2zDUIJqPA62To47WVKOGdWGCtF8kAnfGdDX3Otr7iZUDA2K0xwNlzaimKIZIgIhsa0Kp4qmKNNjYzayMUxU5pc+xpdJYyssP6iH6sX3tOkygLNSe/i+pH97S/ymZQvznx/Jf0S2EyZ6P+wFcdKrvHHXStfHjika9tq4O+BNJY5UXWB8xk8sf2IUbFHOSD+rlbdeZVT8Fuwugp66V0NSxHtzVWy77pxjnSyQyfC57f8A3vFUlmdhix+KEVtyd6E0sj1KLUVVTAt2Su+6nNimSGGtRVjZm/IZ5UezSYpIjtKIPdzjTvI85MHEzheP1SORHPVT5LimGtpH2avEY1Vqa5MWoRyvt2BMIVGm7x6T69hla6VqKpwUs72vzbkJqYMBC9o81ze8aZULbE66FqhfdDU1BXDGJ2IOFK0ykdZDOV1kFlJS4j7Q23HUJLfESikiwaQVZUKxFK5WVKpxIYw0TW6TY6ZE0GErzQxquU+dYtjroro1SNZG6Vd5sdUnnbcuhFHKkto5x25qJ39xRajH53Lyiy0mTss6XI3g/wADztuTSiknyEfiYvtzV+HBTlbjlQi8pSQkyTka26KRttSbmyoukVVlrwGtyK1cFLFh+UUt0RylYrMNkpl/shtnoWuTuGStt+A/RSHlZCitxPpmHYjwyIpxxTOjdYg9TTDbNGSWvgGSpYWuCS6Fjp5c5Bre01qgpkaaFQkGqSbVPGob42mpqCmFpi5Tx6iiCIdKWlE9LGP1BTYkbPLmoRFTNmoKbNQe9j87PuQuArq3x9l7PM3+ULFKZic3CPTqJjJmVZGyqu9P2BUfT/5jJ5Y/sQtwqPp/8xk8sf2IVbFfgp8/0p9Oye/1O+lfygit+lCZWQhlv1EzsuooFfsJjE+SptuWsjcnxEkuWsjcnxHmHctD4flDyxVCN141jjCN141n23BeQhUYfiESrholHau1jTKXuHYW+n2GMY40g3RjjSKZy7DObYSO2JoJK34UIzbXEmjXFqFVxJFzVKnW8oSzKKLew0TIbKCXBT4xjTXcIp04crUlS5J6NncIbhVKKqKdMDGsoe13p3lTbZH/ANj7JhUkeagwuq1xF9BWLia1tS4i6jtqppOmR8eaT00kWYLKluLcSN3GMkNZOiJgRuvmxUxpEW58wyhkiVFsaYVFa/ColhaKXLg0+uYC1yNS585ftI/cWkfqkH+4yEfqnH0el2E/R3sN0onU3yqaFJZpNs2GTBVAJGCuBTF5jJsHeiQk1sYRijcSS2S6CFq0WxXq5Fso9U6+8Z52/chYhXlMnvGeZv8AKFhlIqUVJFuWDJP4cvzT9gVF1gL/AIjJ5Y/sQt0rHpZeaWO4StmazKIkf5noqpgrEwwwI2spKiqizKeNXuTjsltn3+Z9AosUhwx7p5kVUtb+qXW6qnoNFrpXOVMEJpbadWJi/uI9D0iZh7t8SJ+yYGT7p2tMqcSozZO4rMtlhVqERiWXEEqKkcTvulh1uVaniMiJiuILPHreimLrrE3QuJNYZknVMciyJY+bV9dJWPvmqLY0wQZLtUJ3mNZ0gRdAw1dyx1n1HD8PWFqIaqWjfnZzkE9bJ3jXIpunnxEjnFmjZZCzQszUM2KLqZ42tcKYpDJ7boZSNuhJaCfAk9BUoqYEDpqrAeKO5YELVU2ehAVdKrthK5IxM5iovcaKW8IukWtqGO1lFxPAOGvZCItJEvGhnBcVbpHCG9fuNywoujAwWlKTUZLTIvEhLU+NTwcSKPf42niaZr3+40+ynqUpysyYnvyTrflJUOS1zOouCu0CdsaqveKEhRDx07W6yxUGTDmqiuQhJ6uSdbu4zOOMS19WiJghoqrsmoZKuvxPoVDhyRIiIggpnOW6mNbUDNUSG2oqcRDLIWWGOxYoIs1DXI40Kpk5xrVTtRCRahsaooicJEU3RvPHIYvQdqaUfKGqIvDKONPVEfNFnEXUQ5xPLVUo57PM3+ULKKVs1d72NP8AsZ9yF1FMxaLg3t67kxk3DwTZetU/YFBdbPzWXyxemhfpQXWx81l8sXpodeTf+tfpX8oTld8P7kSZO5NCm9twemtRMeF8VqLtQhVY1dqC5Lo7xUPxF3iIQMeDbuMOCZuFbqxfEwdOaAPUYiGSMRDNXmOJ4BlYyseopm1xrAWCoKWTCiOrG/tGSPNasRTU6NFHmK4KmsVxXdfEjiSGaTGh1O1TnfStdzErjvi+IoZ0gXxIelQZJUqaFomLzHM7D2LzEy/qJfExXpAviRD2pT32pTDQWbjX/Gs3Eokvi+IlluyrrGBakxWoNjaRqcxtbQtTmHaWvx1iSSqESzGCyHQ2FEOlsCIKHzGhzzBXmKqbkbY6EZYyVTHE8xPDOxnYzRTJrjWeop4qBUFLJDfHOIUcZI81qy5qcy5ILNU+/i+rH97ToY5ossv6iH60XqNOlymZRNzXx/Jf0S2FszUd9gKC62Pmsvli9NC/Sgutj5rL5YvTQ1ZOf61+lfyh013w/uRAAAvxDgAAAAAAAAAAAAAAAAAABiAABie4ngA8Pe0HaPAPBY97Qdo8ACx72gxPAADEAA9PQAAAAAAA9xPcTEDw8F9lX9TD9aL1GnTpzBZf9TD9aL1GnT5S8puXH8l/RK0GxwFT9Pur2sqq+SaBjFY5saIqyNav5WIi9y/uWwBX6Otko5OEjte1uP8A7qO2WJsqZrihc0lw3cfNaGaS4buPmtL6AltY6vc3uX1OfQY+soXNJcN3HzWhmkuG7j5rS+gGsdXub3L6jQY+soXNJcN3HzWhmkuG7j5rS+gGsdXub3L6jQY+soXNJcN3HzWhmkuG7j5rS+gGsdXub3L6jQY+soXNJcN3HzWhmkuG7j5rS+gGsdXub3L6jQY+soXNJcN3HzWhmkuG7j5rS+gGsdXub3L6jQY+soXNJcN3HzWhmkuG7j5rS+gGsdXub3L6jQY+soXNJcN3HzWhmkuG7j5rS+gGsdXub3L6jQY+soXNJcN3HzWhmkuG7j5rS+gGsdXub3L6jQY+soXNJcN3HzWhmkuG7j5rS+gGsdXub3L6jQY+soXNJcN3HzWhmkuG7j5rS+gGsdXub3L6jQY+soXNJcN3HzWhmkuG7j5rS+gGsdXub3L6jQY+soXNJcN3HzWhmkuG7j5rS+gGsdXub3L6jQY+soXNJcN3HzWhmkuG7j5rS+gGsdXub3L6jQY+soXNJcN3HzWhmkuG7j5rS+gGsdXub3L6jQY+so629VdeyaJ7o2dlskbl963Q16Kv9kLxACNrsQlrVasiJ/Xd1m+KFsV83nAAAjzcAAAAAAAAAAAAAAAAAAAAAAAAAAAAAAAAAAAAAAAAAAAAAAAAAAAAAAAAAAB//9k="/>
           <p:cNvSpPr txBox="1"/>
           <p:nvPr/>
@@ -51902,266 +51357,78 @@
           </a:bodyPr>
           <a:lstStyle/>
           <a:p>
-            <a:r>
-              <a:rPr lang="ru-RU" sz="1800" b="1" i="0" u="none" strike="noStrike" cap="none" dirty="0" smtClean="0">
-                <a:solidFill>
-                  <a:schemeClr val="dk1"/>
-                </a:solidFill>
-                <a:effectLst>
-                  <a:outerShdw blurRad="38100" dist="38100" dir="2700000" algn="tl">
-                    <a:srgbClr val="000000">
-                      <a:alpha val="43137"/>
-                    </a:srgbClr>
-                  </a:outerShdw>
-                </a:effectLst>
-                <a:latin typeface="Times New Roman" pitchFamily="18" charset="0"/>
-                <a:ea typeface="Calibri"/>
-                <a:cs typeface="Times New Roman" pitchFamily="18" charset="0"/>
-                <a:sym typeface="Calibri"/>
-              </a:rPr>
-              <a:t>Мета </a:t>
-            </a:r>
-            <a:r>
-              <a:rPr lang="ru-RU" sz="1800" b="1" i="0" u="none" strike="noStrike" cap="none" dirty="0" err="1" smtClean="0">
-                <a:solidFill>
-                  <a:schemeClr val="dk1"/>
-                </a:solidFill>
-                <a:effectLst>
-                  <a:outerShdw blurRad="38100" dist="38100" dir="2700000" algn="tl">
-                    <a:srgbClr val="000000">
-                      <a:alpha val="43137"/>
-                    </a:srgbClr>
-                  </a:outerShdw>
-                </a:effectLst>
-                <a:latin typeface="Times New Roman" pitchFamily="18" charset="0"/>
-                <a:ea typeface="Calibri"/>
-                <a:cs typeface="Times New Roman" pitchFamily="18" charset="0"/>
-                <a:sym typeface="Calibri"/>
-              </a:rPr>
-              <a:t>полягає</a:t>
-            </a:r>
-            <a:r>
-              <a:rPr lang="ru-RU" sz="1800" b="1" dirty="0" smtClean="0">
-                <a:solidFill>
-                  <a:schemeClr val="dk1"/>
-                </a:solidFill>
-                <a:effectLst>
-                  <a:outerShdw blurRad="38100" dist="38100" dir="2700000" algn="tl">
-                    <a:srgbClr val="000000">
-                      <a:alpha val="43137"/>
-                    </a:srgbClr>
-                  </a:outerShdw>
-                </a:effectLst>
-                <a:latin typeface="Times New Roman" pitchFamily="18" charset="0"/>
-                <a:ea typeface="Calibri"/>
-                <a:cs typeface="Times New Roman" pitchFamily="18" charset="0"/>
-                <a:sym typeface="Calibri"/>
-              </a:rPr>
-              <a:t> в створен</a:t>
-            </a:r>
-            <a:r>
-              <a:rPr lang="uk-UA" sz="1800" b="1" dirty="0" smtClean="0">
-                <a:solidFill>
-                  <a:schemeClr val="dk1"/>
-                </a:solidFill>
-                <a:effectLst>
-                  <a:outerShdw blurRad="38100" dist="38100" dir="2700000" algn="tl">
-                    <a:srgbClr val="000000">
-                      <a:alpha val="43137"/>
-                    </a:srgbClr>
-                  </a:outerShdw>
-                </a:effectLst>
-                <a:latin typeface="Times New Roman" pitchFamily="18" charset="0"/>
-                <a:ea typeface="Calibri"/>
-                <a:cs typeface="Times New Roman" pitchFamily="18" charset="0"/>
-                <a:sym typeface="Calibri"/>
-              </a:rPr>
-              <a:t>і </a:t>
-            </a:r>
-            <a:r>
-              <a:rPr lang="ru-RU" sz="2000" b="1" dirty="0" err="1" smtClean="0">
-                <a:solidFill>
-                  <a:schemeClr val="dk1"/>
-                </a:solidFill>
-                <a:effectLst>
-                  <a:outerShdw blurRad="38100" dist="38100" dir="2700000" algn="tl">
-                    <a:srgbClr val="000000">
-                      <a:alpha val="43137"/>
-                    </a:srgbClr>
-                  </a:outerShdw>
-                </a:effectLst>
-                <a:latin typeface="Times New Roman" pitchFamily="18" charset="0"/>
-                <a:ea typeface="Calibri"/>
-                <a:cs typeface="Times New Roman" pitchFamily="18" charset="0"/>
-                <a:sym typeface="Calibri"/>
-              </a:rPr>
-              <a:t>м</a:t>
-            </a:r>
-            <a:r>
-              <a:rPr lang="ru-RU" sz="2000" b="1" dirty="0" err="1" smtClean="0">
-                <a:effectLst>
-                  <a:outerShdw blurRad="38100" dist="38100" dir="2700000" algn="tl">
-                    <a:srgbClr val="000000">
-                      <a:alpha val="43137"/>
-                    </a:srgbClr>
-                  </a:outerShdw>
-                </a:effectLst>
-                <a:latin typeface="Times New Roman" pitchFamily="18" charset="0"/>
-                <a:cs typeface="Times New Roman" pitchFamily="18" charset="0"/>
-              </a:rPr>
-              <a:t>есеннджер</a:t>
-            </a:r>
-            <a:r>
-              <a:rPr lang="ru-RU" sz="2000" b="1" dirty="0" smtClean="0">
-                <a:effectLst>
-                  <a:outerShdw blurRad="38100" dist="38100" dir="2700000" algn="tl">
-                    <a:srgbClr val="000000">
-                      <a:alpha val="43137"/>
-                    </a:srgbClr>
-                  </a:outerShdw>
-                </a:effectLst>
-                <a:latin typeface="Times New Roman" pitchFamily="18" charset="0"/>
-                <a:cs typeface="Times New Roman" pitchFamily="18" charset="0"/>
+            <a:pPr marL="0" marR="0" lvl="0" indent="0" algn="l" rtl="0">
+              <a:lnSpc>
+                <a:spcPct val="100000"/>
+              </a:lnSpc>
+              <a:spcBef>
+                <a:spcPts val="0"/>
+              </a:spcBef>
+              <a:spcAft>
+                <a:spcPts val="0"/>
+              </a:spcAft>
+              <a:buNone/>
+            </a:pPr>
+            <a:r>
+              <a:rPr lang="ru-RU" sz="1400" b="1" i="0" u="none" strike="noStrike" cap="none" dirty="0" smtClean="0">
+                <a:solidFill>
+                  <a:srgbClr val="000000"/>
+                </a:solidFill>
+                <a:latin typeface="Arial"/>
+                <a:ea typeface="Arial"/>
+                <a:cs typeface="Arial"/>
+                <a:sym typeface="Arial"/>
+              </a:rPr>
+              <a:t>Алгоритм для </a:t>
+            </a:r>
+            <a:r>
+              <a:rPr lang="uk-UA" sz="1400" b="1" i="0" u="none" strike="noStrike" cap="none" dirty="0" err="1" smtClean="0">
+                <a:solidFill>
+                  <a:srgbClr val="000000"/>
+                </a:solidFill>
+                <a:latin typeface="Arial"/>
+                <a:ea typeface="Arial"/>
+                <a:cs typeface="Arial"/>
+                <a:sym typeface="Arial"/>
+              </a:rPr>
+              <a:t>прогназування</a:t>
+            </a:r>
+            <a:r>
+              <a:rPr lang="ru-RU" sz="1400" b="1" i="0" u="none" strike="noStrike" cap="none" dirty="0" smtClean="0">
+                <a:solidFill>
+                  <a:srgbClr val="000000"/>
+                </a:solidFill>
+                <a:latin typeface="Arial"/>
+                <a:ea typeface="Arial"/>
+                <a:cs typeface="Arial"/>
+                <a:sym typeface="Arial"/>
               </a:rPr>
               <a:t> </a:t>
             </a:r>
             <a:r>
-              <a:rPr lang="ru-RU" sz="2000" b="1" dirty="0" smtClean="0">
-                <a:effectLst>
-                  <a:outerShdw blurRad="38100" dist="38100" dir="2700000" algn="tl">
-                    <a:srgbClr val="000000">
-                      <a:alpha val="43137"/>
-                    </a:srgbClr>
-                  </a:outerShdw>
-                </a:effectLst>
-                <a:latin typeface="Times New Roman" pitchFamily="18" charset="0"/>
-                <a:cs typeface="Times New Roman" pitchFamily="18" charset="0"/>
-              </a:rPr>
-              <a:t>бот через </a:t>
-            </a:r>
-            <a:r>
-              <a:rPr lang="ru-RU" sz="2000" b="1" dirty="0" err="1" smtClean="0">
-                <a:effectLst>
-                  <a:outerShdw blurRad="38100" dist="38100" dir="2700000" algn="tl">
-                    <a:srgbClr val="000000">
-                      <a:alpha val="43137"/>
-                    </a:srgbClr>
-                  </a:outerShdw>
-                </a:effectLst>
-                <a:latin typeface="Times New Roman" pitchFamily="18" charset="0"/>
-                <a:cs typeface="Times New Roman" pitchFamily="18" charset="0"/>
-              </a:rPr>
-              <a:t>який</a:t>
-            </a:r>
-            <a:r>
-              <a:rPr lang="ru-RU" sz="2000" b="1" dirty="0" smtClean="0">
-                <a:effectLst>
-                  <a:outerShdw blurRad="38100" dist="38100" dir="2700000" algn="tl">
-                    <a:srgbClr val="000000">
-                      <a:alpha val="43137"/>
-                    </a:srgbClr>
-                  </a:outerShdw>
-                </a:effectLst>
-                <a:latin typeface="Times New Roman" pitchFamily="18" charset="0"/>
-                <a:cs typeface="Times New Roman" pitchFamily="18" charset="0"/>
-              </a:rPr>
-              <a:t> </a:t>
-            </a:r>
-            <a:r>
-              <a:rPr lang="ru-RU" sz="2000" b="1" dirty="0" err="1" smtClean="0">
-                <a:effectLst>
-                  <a:outerShdw blurRad="38100" dist="38100" dir="2700000" algn="tl">
-                    <a:srgbClr val="000000">
-                      <a:alpha val="43137"/>
-                    </a:srgbClr>
-                  </a:outerShdw>
-                </a:effectLst>
-                <a:latin typeface="Times New Roman" pitchFamily="18" charset="0"/>
-                <a:cs typeface="Times New Roman" pitchFamily="18" charset="0"/>
-              </a:rPr>
-              <a:t>можна</a:t>
-            </a:r>
-            <a:r>
-              <a:rPr lang="ru-RU" sz="2000" b="1" dirty="0" smtClean="0">
-                <a:effectLst>
-                  <a:outerShdw blurRad="38100" dist="38100" dir="2700000" algn="tl">
-                    <a:srgbClr val="000000">
-                      <a:alpha val="43137"/>
-                    </a:srgbClr>
-                  </a:outerShdw>
-                </a:effectLst>
-                <a:latin typeface="Times New Roman" pitchFamily="18" charset="0"/>
-                <a:cs typeface="Times New Roman" pitchFamily="18" charset="0"/>
-              </a:rPr>
-              <a:t> </a:t>
-            </a:r>
-            <a:r>
-              <a:rPr lang="ru-RU" sz="2000" b="1" dirty="0" err="1" smtClean="0">
-                <a:effectLst>
-                  <a:outerShdw blurRad="38100" dist="38100" dir="2700000" algn="tl">
-                    <a:srgbClr val="000000">
-                      <a:alpha val="43137"/>
-                    </a:srgbClr>
-                  </a:outerShdw>
-                </a:effectLst>
-                <a:latin typeface="Times New Roman" pitchFamily="18" charset="0"/>
-                <a:cs typeface="Times New Roman" pitchFamily="18" charset="0"/>
-              </a:rPr>
-              <a:t>замовити</a:t>
-            </a:r>
-            <a:r>
-              <a:rPr lang="ru-RU" sz="2000" b="1" dirty="0" smtClean="0">
-                <a:effectLst>
-                  <a:outerShdw blurRad="38100" dist="38100" dir="2700000" algn="tl">
-                    <a:srgbClr val="000000">
-                      <a:alpha val="43137"/>
-                    </a:srgbClr>
-                  </a:outerShdw>
-                </a:effectLst>
-                <a:latin typeface="Times New Roman" pitchFamily="18" charset="0"/>
-                <a:cs typeface="Times New Roman" pitchFamily="18" charset="0"/>
-              </a:rPr>
-              <a:t> </a:t>
-            </a:r>
-            <a:r>
-              <a:rPr lang="ru-RU" sz="2000" b="1" dirty="0" err="1" smtClean="0">
-                <a:effectLst>
-                  <a:outerShdw blurRad="38100" dist="38100" dir="2700000" algn="tl">
-                    <a:srgbClr val="000000">
-                      <a:alpha val="43137"/>
-                    </a:srgbClr>
-                  </a:outerShdw>
-                </a:effectLst>
-                <a:latin typeface="Times New Roman" pitchFamily="18" charset="0"/>
-                <a:cs typeface="Times New Roman" pitchFamily="18" charset="0"/>
-              </a:rPr>
-              <a:t>похід</a:t>
-            </a:r>
-            <a:endParaRPr lang="ru-RU" sz="2000" b="1" dirty="0" smtClean="0">
-              <a:effectLst>
-                <a:outerShdw blurRad="38100" dist="38100" dir="2700000" algn="tl">
-                  <a:srgbClr val="000000">
-                    <a:alpha val="43137"/>
-                  </a:srgbClr>
-                </a:outerShdw>
-              </a:effectLst>
-              <a:latin typeface="Times New Roman" pitchFamily="18" charset="0"/>
-              <a:cs typeface="Times New Roman" pitchFamily="18" charset="0"/>
-            </a:endParaRPr>
-          </a:p>
-          <a:p>
-            <a:pPr marL="0" marR="0" lvl="0" indent="0" algn="l" rtl="0">
-              <a:lnSpc>
-                <a:spcPct val="100000"/>
-              </a:lnSpc>
-              <a:spcBef>
-                <a:spcPts val="0"/>
-              </a:spcBef>
-              <a:spcAft>
-                <a:spcPts val="0"/>
-              </a:spcAft>
-              <a:buNone/>
-            </a:pPr>
+              <a:rPr lang="uk-UA" sz="1400" b="1" i="0" u="none" strike="noStrike" cap="none" dirty="0" smtClean="0">
+                <a:solidFill>
+                  <a:srgbClr val="000000"/>
+                </a:solidFill>
+                <a:latin typeface="Arial"/>
+                <a:ea typeface="Arial"/>
+                <a:cs typeface="Arial"/>
+                <a:sym typeface="Arial"/>
+              </a:rPr>
+              <a:t>складності</a:t>
+            </a:r>
+            <a:r>
+              <a:rPr lang="ru-RU" sz="1400" b="1" i="0" u="none" strike="noStrike" cap="none" dirty="0" smtClean="0">
+                <a:solidFill>
+                  <a:srgbClr val="000000"/>
+                </a:solidFill>
+                <a:latin typeface="Arial"/>
+                <a:ea typeface="Arial"/>
+                <a:cs typeface="Arial"/>
+                <a:sym typeface="Arial"/>
+              </a:rPr>
+              <a:t> походу</a:t>
+            </a:r>
             <a:endParaRPr sz="1400" b="1" i="0" u="none" strike="noStrike" cap="none" smtClean="0">
               <a:solidFill>
                 <a:srgbClr val="000000"/>
@@ -52289,7 +51556,19 @@
                 <a:cs typeface="Calibri"/>
                 <a:sym typeface="Calibri"/>
               </a:rPr>
-              <a:t> проекту</a:t>
+              <a:t> </a:t>
+            </a:r>
+            <a:r>
+              <a:rPr lang="ru-RU" sz="1800" b="1" i="0" u="none" strike="noStrike" cap="none" dirty="0" smtClean="0">
+                <a:solidFill>
+                  <a:schemeClr val="dk1"/>
+                </a:solidFill>
+                <a:latin typeface="Calibri"/>
+                <a:ea typeface="Calibri"/>
+                <a:cs typeface="Calibri"/>
+                <a:sym typeface="Calibri"/>
+              </a:rPr>
+              <a:t>проекту:</a:t>
             </a:r>
             <a:endParaRPr sz="1800" b="1" i="0" u="none" strike="noStrike" cap="none">
               <a:solidFill>
@@ -52313,6 +51592,40 @@
                 <a:spcPts val="0"/>
               </a:spcAft>
               <a:buNone/>
+            </a:pPr>
+            <a:endParaRPr lang="uk-UA" sz="1800" b="1" i="0" u="none" strike="noStrike" cap="none" dirty="0" smtClean="0">
+              <a:solidFill>
+                <a:schemeClr val="dk1"/>
+              </a:solidFill>
+              <a:latin typeface="Calibri"/>
+              <a:ea typeface="Calibri"/>
+              <a:cs typeface="Calibri"/>
+              <a:sym typeface="Calibri"/>
+            </a:endParaRPr>
+          </a:p>
+          <a:p>
+            <a:pPr marL="342900" indent="-342900">
+              <a:buFont typeface="+mj-lt"/>
+              <a:buAutoNum type="arabicPeriod"/>
+            </a:pPr>
+            <a:r>
+              <a:rPr lang="uk-UA" sz="1800" b="1" dirty="0" smtClean="0"/>
+              <a:t>Прогнозування складності походу</a:t>
+            </a:r>
+          </a:p>
+          <a:p>
+            <a:pPr marL="342900" marR="0" lvl="0" indent="-342900" algn="l" rtl="0">
+              <a:lnSpc>
+                <a:spcPct val="100000"/>
+              </a:lnSpc>
+              <a:spcBef>
+                <a:spcPts val="0"/>
+              </a:spcBef>
+              <a:spcAft>
+                <a:spcPts val="0"/>
+              </a:spcAft>
+              <a:buFont typeface="+mj-lt"/>
+              <a:buAutoNum type="arabicPeriod"/>
             </a:pPr>
             <a:endParaRPr sz="1800" b="1" i="0" u="none" strike="noStrike" cap="none">
               <a:solidFill>
@@ -52343,150 +51656,79 @@
               <a:buAutoNum type="arabicPeriod"/>
             </a:pPr>
             <a:r>
-              <a:rPr lang="uk-UA" sz="1800" b="1" i="0" u="none" strike="noStrike" cap="none" dirty="0" smtClean="0">
-                <a:solidFill>
-                  <a:schemeClr val="dk1"/>
-                </a:solidFill>
-                <a:latin typeface="Calibri"/>
-                <a:ea typeface="Calibri"/>
-                <a:cs typeface="Calibri"/>
-                <a:sym typeface="Calibri"/>
-              </a:rPr>
-              <a:t>Захист даних користувача</a:t>
-            </a:r>
-            <a:endParaRPr/>
-          </a:p>
-          <a:p>
-            <a:pPr marL="342900" marR="0" lvl="0" indent="-342900" algn="l" rtl="0">
-              <a:lnSpc>
-                <a:spcPct val="100000"/>
-              </a:lnSpc>
-              <a:spcBef>
-                <a:spcPts val="0"/>
-              </a:spcBef>
-              <a:spcAft>
-                <a:spcPts val="0"/>
-              </a:spcAft>
-              <a:buClr>
+              <a:rPr lang="uk-UA" sz="1800" b="1" dirty="0" smtClean="0">
+                <a:solidFill>
+                  <a:schemeClr val="dk1"/>
+                </a:solidFill>
+                <a:latin typeface="Calibri"/>
+                <a:cs typeface="Calibri"/>
+                <a:sym typeface="Calibri"/>
+              </a:rPr>
+              <a:t>П</a:t>
+            </a:r>
+            <a:r>
+              <a:rPr lang="uk-UA" sz="1800" b="1" dirty="0" smtClean="0">
+                <a:solidFill>
+                  <a:schemeClr val="dk1"/>
+                </a:solidFill>
+                <a:latin typeface="Calibri"/>
+                <a:cs typeface="Calibri"/>
+                <a:sym typeface="Calibri"/>
+              </a:rPr>
+              <a:t>ідбір </a:t>
+            </a:r>
+            <a:r>
+              <a:rPr lang="uk-UA" sz="1800" b="1" dirty="0" smtClean="0">
+                <a:solidFill>
+                  <a:schemeClr val="dk1"/>
+                </a:solidFill>
+                <a:latin typeface="Calibri"/>
+                <a:cs typeface="Calibri"/>
+                <a:sym typeface="Calibri"/>
+              </a:rPr>
+              <a:t>походу</a:t>
+            </a:r>
+            <a:r>
+              <a:rPr lang="en-US" sz="1800" b="1" dirty="0" smtClean="0">
+                <a:solidFill>
+                  <a:schemeClr val="dk1"/>
+                </a:solidFill>
+                <a:latin typeface="Calibri"/>
+                <a:cs typeface="Calibri"/>
+                <a:sym typeface="Calibri"/>
+              </a:rPr>
+              <a:t> </a:t>
+            </a:r>
+            <a:r>
+              <a:rPr lang="uk-UA" sz="1800" b="1" dirty="0" smtClean="0">
+                <a:solidFill>
+                  <a:schemeClr val="dk1"/>
+                </a:solidFill>
+                <a:latin typeface="Calibri"/>
+                <a:cs typeface="Calibri"/>
+                <a:sym typeface="Calibri"/>
+              </a:rPr>
+              <a:t>для </a:t>
+            </a:r>
+            <a:r>
+              <a:rPr lang="uk-UA" sz="1800" b="1" dirty="0" smtClean="0">
+                <a:solidFill>
+                  <a:schemeClr val="dk1"/>
+                </a:solidFill>
+                <a:latin typeface="Calibri"/>
+                <a:cs typeface="Calibri"/>
+                <a:sym typeface="Calibri"/>
+              </a:rPr>
+              <a:t>користувача на основі потрібної йому складності</a:t>
+            </a:r>
+            <a:endParaRPr lang="uk-UA" sz="1800" b="1" dirty="0" smtClean="0">
+              <a:solidFill>
                 <a:schemeClr val="dk1"/>
-              </a:buClr>
-              <a:buSzPts val="1800"/>
-              <a:buFont typeface="Arial"/>
-              <a:buAutoNum type="arabicPeriod"/>
-            </a:pPr>
-            <a:r>
-              <a:rPr lang="uk-UA" sz="1800" b="1" dirty="0" smtClean="0">
-                <a:solidFill>
-                  <a:schemeClr val="dk1"/>
-                </a:solidFill>
-                <a:latin typeface="Calibri"/>
-                <a:cs typeface="Calibri"/>
-                <a:sym typeface="Calibri"/>
-              </a:rPr>
-              <a:t>Розробка функціонального інтерфейсу</a:t>
-            </a:r>
-          </a:p>
-          <a:p>
-            <a:pPr marL="342900" marR="0" lvl="0" indent="-342900" algn="l" rtl="0">
-              <a:lnSpc>
-                <a:spcPct val="100000"/>
-              </a:lnSpc>
-              <a:spcBef>
-                <a:spcPts val="0"/>
-              </a:spcBef>
-              <a:spcAft>
-                <a:spcPts val="0"/>
-              </a:spcAft>
-              <a:buClr>
-                <a:schemeClr val="dk1"/>
-              </a:buClr>
-              <a:buSzPts val="1800"/>
-              <a:buFont typeface="Arial"/>
-              <a:buAutoNum type="arabicPeriod"/>
-            </a:pPr>
-            <a:r>
-              <a:rPr lang="uk-UA" sz="1800" b="1" dirty="0" smtClean="0">
-                <a:solidFill>
-                  <a:schemeClr val="dk1"/>
-                </a:solidFill>
-                <a:latin typeface="Calibri"/>
-                <a:cs typeface="Calibri"/>
-                <a:sym typeface="Calibri"/>
-              </a:rPr>
-              <a:t> Авто підбір походу</a:t>
-            </a:r>
-            <a:r>
-              <a:rPr lang="en-US" sz="1800" b="1" dirty="0" smtClean="0">
-                <a:solidFill>
-                  <a:schemeClr val="dk1"/>
-                </a:solidFill>
-                <a:latin typeface="Calibri"/>
-                <a:cs typeface="Calibri"/>
-                <a:sym typeface="Calibri"/>
-              </a:rPr>
-              <a:t> </a:t>
-            </a:r>
-            <a:r>
-              <a:rPr lang="uk-UA" sz="1800" b="1" dirty="0" smtClean="0">
-                <a:solidFill>
-                  <a:schemeClr val="dk1"/>
-                </a:solidFill>
-                <a:latin typeface="Calibri"/>
-                <a:cs typeface="Calibri"/>
-                <a:sym typeface="Calibri"/>
-              </a:rPr>
-              <a:t>для користувача</a:t>
-            </a:r>
-          </a:p>
-          <a:p>
-            <a:pPr marL="342900" marR="0" lvl="0" indent="-342900" algn="l" rtl="0">
-              <a:lnSpc>
-                <a:spcPct val="100000"/>
-              </a:lnSpc>
-              <a:spcBef>
-                <a:spcPts val="0"/>
-              </a:spcBef>
-              <a:spcAft>
-                <a:spcPts val="0"/>
-              </a:spcAft>
-              <a:buClr>
-                <a:schemeClr val="dk1"/>
-              </a:buClr>
-              <a:buSzPts val="1800"/>
-              <a:buFont typeface="Arial"/>
-              <a:buAutoNum type="arabicPeriod"/>
-            </a:pPr>
-            <a:r>
-              <a:rPr lang="uk-UA" sz="1800" b="1" dirty="0" smtClean="0">
-                <a:solidFill>
-                  <a:schemeClr val="dk1"/>
-                </a:solidFill>
-                <a:latin typeface="Calibri"/>
-                <a:cs typeface="Calibri"/>
-                <a:sym typeface="Calibri"/>
-              </a:rPr>
-              <a:t>Система пошуку походів</a:t>
-            </a:r>
-          </a:p>
-          <a:p>
-            <a:pPr marL="342900" marR="0" lvl="0" indent="-342900" algn="l" rtl="0">
-              <a:lnSpc>
-                <a:spcPct val="100000"/>
-              </a:lnSpc>
-              <a:spcBef>
-                <a:spcPts val="0"/>
-              </a:spcBef>
-              <a:spcAft>
-                <a:spcPts val="0"/>
-              </a:spcAft>
-              <a:buClr>
-                <a:schemeClr val="dk1"/>
-              </a:buClr>
-              <a:buSzPts val="1800"/>
-              <a:buFont typeface="Arial"/>
-              <a:buAutoNum type="arabicPeriod"/>
-            </a:pPr>
-            <a:endParaRPr/>
+              </a:solidFill>
+              <a:latin typeface="Calibri"/>
+              <a:cs typeface="Calibri"/>
+              <a:sym typeface="Calibri"/>
+            </a:endParaRPr>
           </a:p>
           <a:p>
             <a:pPr marL="342900" marR="0" lvl="0" indent="-228600" algn="l" rtl="0">
@@ -52583,921 +51825,6 @@
 </file>
 
 <file path=ppt/slides/slide4.xml><?xml version="1.0" encoding="utf-8"?>
-<p:sld xmlns:a="http://schemas.openxmlformats.org/drawingml/2006/main" xmlns:r="http://schemas.openxmlformats.org/officeDocument/2006/relationships" xmlns:p="http://schemas.openxmlformats.org/presentationml/2006/main">
-  <p:cSld>
-    <p:spTree>
-      <p:nvGrpSpPr>
-        <p:cNvPr id="1" name="Shape 200"/>
-        <p:cNvGrpSpPr/>
-        <p:nvPr/>
-      </p:nvGrpSpPr>
-      <p:grpSpPr>
-        <a:xfrm>
-          <a:off x="0" y="0"/>
-          <a:ext cx="0" cy="0"/>
-          <a:chOff x="0" y="0"/>
-          <a:chExt cx="0" cy="0"/>
-        </a:xfrm>
-      </p:grpSpPr>
-      <p:pic>
-        <p:nvPicPr>
-          <p:cNvPr id="201" name="Google Shape;201;p28" descr="http://buythesky.com.au/App_Themes/RFDS/img/template/background-video-poster.jpg"/>
-          <p:cNvPicPr preferRelativeResize="0"/>
-          <p:nvPr/>
-        </p:nvPicPr>
-        <p:blipFill rotWithShape="1">
-          <a:blip r:embed="rId3">
-            <a:alphaModFix/>
-          </a:blip>
-          <a:srcRect/>
-          <a:stretch/>
-        </p:blipFill>
-        <p:spPr>
-          <a:xfrm>
-            <a:off x="0" y="1062037"/>
-            <a:ext cx="9144000" cy="107950"/>
-          </a:xfrm>
-          <a:prstGeom prst="rect">
-            <a:avLst/>
-          </a:prstGeom>
-          <a:noFill/>
-          <a:ln>
-            <a:noFill/>
-          </a:ln>
-        </p:spPr>
-      </p:pic>
-      <p:sp>
-        <p:nvSpPr>
-          <p:cNvPr id="202" name="Google Shape;202;p28"/>
-          <p:cNvSpPr txBox="1">
-            <a:spLocks noGrp="1"/>
-          </p:cNvSpPr>
-          <p:nvPr>
-            <p:ph type="title"/>
-          </p:nvPr>
-        </p:nvSpPr>
-        <p:spPr>
-          <a:xfrm>
-            <a:off x="0" y="188912"/>
-            <a:ext cx="8243887" cy="784225"/>
-          </a:xfrm>
-          <a:prstGeom prst="rect">
-            <a:avLst/>
-          </a:prstGeom>
-          <a:noFill/>
-          <a:ln>
-            <a:noFill/>
-          </a:ln>
-        </p:spPr>
-        <p:txBody>
-          <a:bodyPr spcFirstLastPara="1" wrap="square" lIns="91425" tIns="45700" rIns="91425" bIns="45700" anchor="ctr" anchorCtr="0">
-            <a:noAutofit/>
-          </a:bodyPr>
-          <a:lstStyle/>
-          <a:p>
-            <a:pPr marL="0" marR="0" lvl="0" indent="0" algn="l" rtl="0">
-              <a:lnSpc>
-                <a:spcPct val="100000"/>
-              </a:lnSpc>
-              <a:spcBef>
-                <a:spcPts val="0"/>
-              </a:spcBef>
-              <a:spcAft>
-                <a:spcPts val="0"/>
-              </a:spcAft>
-              <a:buClr>
-                <a:srgbClr val="E46C0A"/>
-              </a:buClr>
-              <a:buSzPts val="2800"/>
-              <a:buFont typeface="Calibri"/>
-              <a:buNone/>
-            </a:pPr>
-            <a:r>
-              <a:rPr lang="ru-RU" sz="2800" b="1" i="0" u="none" strike="noStrike" cap="none">
-                <a:solidFill>
-                  <a:srgbClr val="E46C0A"/>
-                </a:solidFill>
-                <a:latin typeface="Calibri"/>
-                <a:ea typeface="Calibri"/>
-                <a:cs typeface="Calibri"/>
-                <a:sym typeface="Calibri"/>
-              </a:rPr>
-              <a:t>Ієрархія процесів</a:t>
-            </a:r>
-            <a:endParaRPr sz="4400" b="0" i="0" u="none" strike="noStrike" cap="none">
-              <a:solidFill>
-                <a:schemeClr val="dk1"/>
-              </a:solidFill>
-              <a:latin typeface="Calibri"/>
-              <a:ea typeface="Calibri"/>
-              <a:cs typeface="Calibri"/>
-              <a:sym typeface="Calibri"/>
-            </a:endParaRPr>
-          </a:p>
-        </p:txBody>
-      </p:sp>
-      <p:sp>
-        <p:nvSpPr>
-          <p:cNvPr id="203" name="Google Shape;203;p28"/>
-          <p:cNvSpPr txBox="1"/>
-          <p:nvPr/>
-        </p:nvSpPr>
-        <p:spPr>
-          <a:xfrm>
-            <a:off x="8372475" y="188912"/>
-            <a:ext cx="663575" cy="360362"/>
-          </a:xfrm>
-          <a:prstGeom prst="rect">
-            <a:avLst/>
-          </a:prstGeom>
-          <a:gradFill>
-            <a:gsLst>
-              <a:gs pos="0">
-                <a:srgbClr val="A3C4FF"/>
-              </a:gs>
-              <a:gs pos="35000">
-                <a:srgbClr val="BFD5FF"/>
-              </a:gs>
-              <a:gs pos="100000">
-                <a:srgbClr val="E5EEFF"/>
-              </a:gs>
-            </a:gsLst>
-            <a:lin ang="16200000" scaled="0"/>
-          </a:gradFill>
-          <a:ln w="9525" cap="flat" cmpd="sng">
-            <a:solidFill>
-              <a:srgbClr val="4A7EBB"/>
-            </a:solidFill>
-            <a:prstDash val="solid"/>
-            <a:miter lim="800000"/>
-            <a:headEnd type="none" w="sm" len="sm"/>
-            <a:tailEnd type="none" w="sm" len="sm"/>
-          </a:ln>
-          <a:effectLst>
-            <a:outerShdw blurRad="63500" dist="38100" dir="5400000">
-              <a:srgbClr val="000000">
-                <a:alpha val="39215"/>
-              </a:srgbClr>
-            </a:outerShdw>
-          </a:effectLst>
-        </p:spPr>
-        <p:txBody>
-          <a:bodyPr spcFirstLastPara="1" wrap="square" lIns="91425" tIns="45700" rIns="91425" bIns="45700" anchor="ctr" anchorCtr="0">
-            <a:noAutofit/>
-          </a:bodyPr>
-          <a:lstStyle/>
-          <a:p>
-            <a:pPr marL="0" marR="0" lvl="0" indent="0" algn="ctr" rtl="0">
-              <a:lnSpc>
-                <a:spcPct val="100000"/>
-              </a:lnSpc>
-              <a:spcBef>
-                <a:spcPts val="0"/>
-              </a:spcBef>
-              <a:spcAft>
-                <a:spcPts val="0"/>
-              </a:spcAft>
-              <a:buClr>
-                <a:srgbClr val="000000"/>
-              </a:buClr>
-              <a:buSzPts val="1800"/>
-              <a:buFont typeface="Calibri"/>
-              <a:buNone/>
-            </a:pPr>
-            <a:r>
-              <a:rPr lang="ru-RU" sz="1800" b="1" i="0" u="none" strike="noStrike" cap="none">
-                <a:solidFill>
-                  <a:srgbClr val="000000"/>
-                </a:solidFill>
-                <a:latin typeface="Calibri"/>
-                <a:ea typeface="Calibri"/>
-                <a:cs typeface="Calibri"/>
-                <a:sym typeface="Calibri"/>
-              </a:rPr>
-              <a:t>19</a:t>
-            </a:r>
-            <a:endParaRPr sz="1400" b="0" i="0" u="none" strike="noStrike" cap="none">
-              <a:solidFill>
-                <a:srgbClr val="000000"/>
-              </a:solidFill>
-              <a:latin typeface="Arial"/>
-              <a:ea typeface="Arial"/>
-              <a:cs typeface="Arial"/>
-              <a:sym typeface="Arial"/>
-            </a:endParaRPr>
-          </a:p>
-        </p:txBody>
-      </p:sp>
-      <p:sp>
-        <p:nvSpPr>
-          <p:cNvPr id="204" name="Google Shape;204;p28"/>
-          <p:cNvSpPr txBox="1"/>
-          <p:nvPr/>
-        </p:nvSpPr>
-        <p:spPr>
-          <a:xfrm>
-            <a:off x="8372475" y="188912"/>
-            <a:ext cx="663575" cy="360362"/>
-          </a:xfrm>
-          <a:prstGeom prst="rect">
-            <a:avLst/>
-          </a:prstGeom>
-          <a:gradFill>
-            <a:gsLst>
-              <a:gs pos="0">
-                <a:srgbClr val="A3C4FF"/>
-              </a:gs>
-              <a:gs pos="35000">
-                <a:srgbClr val="BFD5FF"/>
-              </a:gs>
-              <a:gs pos="100000">
-                <a:srgbClr val="E5EEFF"/>
-              </a:gs>
-            </a:gsLst>
-            <a:lin ang="16200000" scaled="0"/>
-          </a:gradFill>
-          <a:ln w="9525" cap="flat" cmpd="sng">
-            <a:solidFill>
-              <a:srgbClr val="4A7EBB"/>
-            </a:solidFill>
-            <a:prstDash val="solid"/>
-            <a:miter lim="800000"/>
-            <a:headEnd type="none" w="sm" len="sm"/>
-            <a:tailEnd type="none" w="sm" len="sm"/>
-          </a:ln>
-          <a:effectLst>
-            <a:outerShdw blurRad="63500" dist="38100" dir="5400000">
-              <a:srgbClr val="000000">
-                <a:alpha val="39215"/>
-              </a:srgbClr>
-            </a:outerShdw>
-          </a:effectLst>
-        </p:spPr>
-        <p:txBody>
-          <a:bodyPr spcFirstLastPara="1" wrap="square" lIns="91425" tIns="45700" rIns="91425" bIns="45700" anchor="ctr" anchorCtr="0">
-            <a:noAutofit/>
-          </a:bodyPr>
-          <a:lstStyle/>
-          <a:p>
-            <a:pPr marL="0" marR="0" lvl="0" indent="0" algn="ctr" rtl="0">
-              <a:lnSpc>
-                <a:spcPct val="100000"/>
-              </a:lnSpc>
-              <a:spcBef>
-                <a:spcPts val="0"/>
-              </a:spcBef>
-              <a:spcAft>
-                <a:spcPts val="0"/>
-              </a:spcAft>
-              <a:buClr>
-                <a:srgbClr val="000000"/>
-              </a:buClr>
-              <a:buSzPts val="1800"/>
-              <a:buFont typeface="Calibri"/>
-              <a:buNone/>
-            </a:pPr>
-            <a:r>
-              <a:rPr lang="ru-RU" sz="1800" b="1" i="0" u="none" strike="noStrike" cap="none">
-                <a:solidFill>
-                  <a:srgbClr val="000000"/>
-                </a:solidFill>
-                <a:latin typeface="Calibri"/>
-                <a:ea typeface="Calibri"/>
-                <a:cs typeface="Calibri"/>
-                <a:sym typeface="Calibri"/>
-              </a:rPr>
-              <a:t>3</a:t>
-            </a:r>
-            <a:endParaRPr sz="1400" b="0" i="0" u="none" strike="noStrike" cap="none">
-              <a:solidFill>
-                <a:srgbClr val="000000"/>
-              </a:solidFill>
-              <a:latin typeface="Arial"/>
-              <a:ea typeface="Arial"/>
-              <a:cs typeface="Arial"/>
-              <a:sym typeface="Arial"/>
-            </a:endParaRPr>
-          </a:p>
-        </p:txBody>
-      </p:sp>
-      <p:sp>
-        <p:nvSpPr>
-          <p:cNvPr id="205" name="Google Shape;205;p28" descr="data:image/jpeg;base64,/9j/4AAQSkZJRgABAQAAAQABAAD/2wCEAAkGBhQSEBUUDxQVFRQUFBQUFBQUFBgUFBQUFBQVFBQUFBQXHSYeFxkkGRQUHy8gJCcpLCwsFR4xNTAqNSYrLCkBCQoKDgwOGg8PFykcHBwpLC8pLSk1LSkpKSkpKTUtKS0sLCk1NSwpKSkpKSkpKSkpLCk1KTUpNSwsKSk1LC8sKf/AABEIAJEBEAMBIgACEQEDEQH/xAAcAAABBAMBAAAAAAAAAAAAAAAABAUGBwIDCAH/xAA9EAABAwIBCAcGBQIHAAAAAAAAAQIDBAURExcxQVJTkZMGBxIhUXKzFCMyNXOyFSIkYbEWoSUzNEJDY3H/xAAbAQEAAgMBAQAAAAAAAAAAAAAABQYCAwQBB//EADYRAAEDAgEGDAYDAQAAAAAAAAABAgMEEQUGEhQWMVETITJBU2FikaGi0eEzcXKBscEVIjTw/9oADAMBAAIRAxEAPwC8AAoXrWlVLrLgqp+WLWu7QksOodNlWPOzbJfZf/tponm4Juda5fQHK2XdtO4qGXdtO4qT2rC9N5fc49P7PidUYnpytl3bS8VDLu2l4qNWF6by+40/s+J1SBytl3bS8VDLu2l4qNWF6by+40/s+J1SeIpyvl3bS8VDLu2l4qNWF6by+40/s+J1SBytl3bS8VDLu2l4qNWF6by+40/s+J1SeKpyvl3bS8VDLu2l4qNWF6by+40/s+J1SBytl3bS8VDLu2l4qNWF6by+40/s+J1SBytl3bS8VDLu2l4qNWF6by+40/s+J1RienK2XdtLxUMu7aXio1YXpvL7jT+z4nVIHK2XdtLxUMu7aXio1YXpvL7jT+z4nVJ5icr5d20vFQy7tpeKjVhem8vuNP7PidUgcrZd20vFQy7tpeKjVhem8vuNP7PidUgcrZZ20vFQy7tpeKjVhem8vuNP7PidUYnpytl3bS8VDLu2l4qNWF6by+40/s+J1SBytl3bS8VDLu2l4qNWF6by+40/s+J1SBzFZpne0w96/wCdFrXeNOnSGxPDdBVqZ+dnX5rbPup1wT8Mira1gKC62Pmsvli9NC/Sgutj5rL5YvTQ7cnP9a/Sv5Q013w/uRAAAvxDgAAAAAAAAAAAAAAAAGAAAGB72Tw8PAMuyHYFxcxAz7AdgXFzADPsB2BcXMAMuyHZFxcxA9wPMD0AAAD0AA9wAPAwPUQyRp5c8uKrKn6mH60XqNOnzmOyt/Uw/Wi9Rp04UvKblx/Jf0SuHrxOAoLrY+ay+WL00L9KF604HOu0qMa5fyxaGqv/ABp4HLk4tqpfpX8obK5bRce8hgDpB0cmd/sdwUVs6Jy60XgXd1TE3a5CvOqoW7XIMB7gSL+lnpqXga32ByajxKqNdimCVkS7HDDgGA7SWtU1CZ9JgbElauw2tma7YIsANzozWrTYim1FuYnqIeo02NYeKoVbGtGmaRimOnFkNDianSohofMjRtbAbG0o+wWpV1DhBYlXUcr6trec45K5recizaNTYlCpMo+jwobYU/Y5HYkxOc43YoxOcg/sC+AewKTr8Db4oeLYm+KGv+Uj3mv+VaQVaI1rSE5ksHgIp7Iqajeyva7nNzMSa7nIe6nNboiST2zDUIJqPA62To47WVKOGdWGCtF8kAnfGdDX3Otr7iZUDA2K0xwNlzaimKIZIgIhsa0Kp4qmKNNjYzayMUxU5pc+xpdJYyssP6iH6sX3tOkygLNSe/i+pH97S/ymZQvznx/Jf0S2EyZ6P+wFcdKrvHHXStfHjika9tq4O+BNJY5UXWB8xk8sf2IUbFHOSD+rlbdeZVT8Fuwugp66V0NSxHtzVWy77pxjnSyQyfC57f8A3vFUlmdhix+KEVtyd6E0sj1KLUVVTAt2Su+6nNimSGGtRVjZm/IZ5UezSYpIjtKIPdzjTvI85MHEzheP1SORHPVT5LimGtpH2avEY1Vqa5MWoRyvt2BMIVGm7x6T69hla6VqKpwUs72vzbkJqYMBC9o81ze8aZULbE66FqhfdDU1BXDGJ2IOFK0ykdZDOV1kFlJS4j7Q23HUJLfESikiwaQVZUKxFK5WVKpxIYw0TW6TY6ZE0GErzQxquU+dYtjroro1SNZG6Vd5sdUnnbcuhFHKkto5x25qJ39xRajH53Lyiy0mTss6XI3g/wADztuTSiknyEfiYvtzV+HBTlbjlQi8pSQkyTka26KRttSbmyoukVVlrwGtyK1cFLFh+UUt0RylYrMNkpl/shtnoWuTuGStt+A/RSHlZCitxPpmHYjwyIpxxTOjdYg9TTDbNGSWvgGSpYWuCS6Fjp5c5Bre01qgpkaaFQkGqSbVPGob42mpqCmFpi5Tx6iiCIdKWlE9LGP1BTYkbPLmoRFTNmoKbNQe9j87PuQuArq3x9l7PM3+ULFKZic3CPTqJjJmVZGyqu9P2BUfT/5jJ5Y/sQtwqPp/8xk8sf2IVbFfgp8/0p9Oye/1O+lfygit+lCZWQhlv1EzsuooFfsJjE+SptuWsjcnxEkuWsjcnxHmHctD4flDyxVCN141jjCN141n23BeQhUYfiESrholHau1jTKXuHYW+n2GMY40g3RjjSKZy7DObYSO2JoJK34UIzbXEmjXFqFVxJFzVKnW8oSzKKLew0TIbKCXBT4xjTXcIp04crUlS5J6NncIbhVKKqKdMDGsoe13p3lTbZH/ANj7JhUkeagwuq1xF9BWLia1tS4i6jtqppOmR8eaT00kWYLKluLcSN3GMkNZOiJgRuvmxUxpEW58wyhkiVFsaYVFa/ColhaKXLg0+uYC1yNS585ftI/cWkfqkH+4yEfqnH0el2E/R3sN0onU3yqaFJZpNs2GTBVAJGCuBTF5jJsHeiQk1sYRijcSS2S6CFq0WxXq5Fso9U6+8Z52/chYhXlMnvGeZv8AKFhlIqUVJFuWDJP4cvzT9gVF1gL/AIjJ5Y/sQt0rHpZeaWO4StmazKIkf5noqpgrEwwwI2spKiqizKeNXuTjsltn3+Z9AosUhwx7p5kVUtb+qXW6qnoNFrpXOVMEJpbadWJi/uI9D0iZh7t8SJ+yYGT7p2tMqcSozZO4rMtlhVqERiWXEEqKkcTvulh1uVaniMiJiuILPHreimLrrE3QuJNYZknVMciyJY+bV9dJWPvmqLY0wQZLtUJ3mNZ0gRdAw1dyx1n1HD8PWFqIaqWjfnZzkE9bJ3jXIpunnxEjnFmjZZCzQszUM2KLqZ42tcKYpDJ7boZSNuhJaCfAk9BUoqYEDpqrAeKO5YELVU2ehAVdKrthK5IxM5iovcaKW8IukWtqGO1lFxPAOGvZCItJEvGhnBcVbpHCG9fuNywoujAwWlKTUZLTIvEhLU+NTwcSKPf42niaZr3+40+ynqUpysyYnvyTrflJUOS1zOouCu0CdsaqveKEhRDx07W6yxUGTDmqiuQhJ6uSdbu4zOOMS19WiJghoqrsmoZKuvxPoVDhyRIiIggpnOW6mNbUDNUSG2oqcRDLIWWGOxYoIs1DXI40Kpk5xrVTtRCRahsaooicJEU3RvPHIYvQdqaUfKGqIvDKONPVEfNFnEXUQ5xPLVUo57PM3+ULKKVs1d72NP8AsZ9yF1FMxaLg3t67kxk3DwTZetU/YFBdbPzWXyxemhfpQXWx81l8sXpodeTf+tfpX8oTld8P7kSZO5NCm9twemtRMeF8VqLtQhVY1dqC5Lo7xUPxF3iIQMeDbuMOCZuFbqxfEwdOaAPUYiGSMRDNXmOJ4BlYyseopm1xrAWCoKWTCiOrG/tGSPNasRTU6NFHmK4KmsVxXdfEjiSGaTGh1O1TnfStdzErjvi+IoZ0gXxIelQZJUqaFomLzHM7D2LzEy/qJfExXpAviRD2pT32pTDQWbjX/Gs3Eokvi+IlluyrrGBakxWoNjaRqcxtbQtTmHaWvx1iSSqESzGCyHQ2FEOlsCIKHzGhzzBXmKqbkbY6EZYyVTHE8xPDOxnYzRTJrjWeop4qBUFLJDfHOIUcZI81qy5qcy5ILNU+/i+rH97ToY5ossv6iH60XqNOlymZRNzXx/Jf0S2FszUd9gKC62Pmsvli9NC/Sgutj5rL5YvTQ1ZOf61+lfyh013w/uRAAAvxDgAAAAAAAAAAAAAAAAAABiAABie4ngA8Pe0HaPAPBY97Qdo8ACx72gxPAADEAA9PQAAAAAAA9xPcTEDw8F9lX9TD9aL1GnTpzBZf9TD9aL1GnT5S8puXH8l/RK0GxwFT9Pur2sqq+SaBjFY5saIqyNav5WIi9y/uWwBX6Otko5OEjte1uP8A7qO2WJsqZrihc0lw3cfNaGaS4buPmtL6AltY6vc3uX1OfQY+soXNJcN3HzWhmkuG7j5rS+gGsdXub3L6jQY+soXNJcN3HzWhmkuG7j5rS+gGsdXub3L6jQY+soXNJcN3HzWhmkuG7j5rS+gGsdXub3L6jQY+soXNJcN3HzWhmkuG7j5rS+gGsdXub3L6jQY+soXNJcN3HzWhmkuG7j5rS+gGsdXub3L6jQY+soXNJcN3HzWhmkuG7j5rS+gGsdXub3L6jQY+soXNJcN3HzWhmkuG7j5rS+gGsdXub3L6jQY+soXNJcN3HzWhmkuG7j5rS+gGsdXub3L6jQY+soXNJcN3HzWhmkuG7j5rS+gGsdXub3L6jQY+soXNJcN3HzWhmkuG7j5rS+gGsdXub3L6jQY+soXNJcN3HzWhmkuG7j5rS+gGsdXub3L6jQY+soXNJcN3HzWhmkuG7j5rS+gGsdXub3L6jQY+soXNJcN3HzWhmkuG7j5rS+gGsdXub3L6jQY+soXNJcN3HzWhmkuG7j5rS+gGsdXub3L6jQY+so629VdeyaJ7o2dlskbl963Q16Kv9kLxACNrsQlrVasiJ/Xd1m+KFsV83nAAAjzcAAAAAAAAAAAAAAAAAAAAAAAAAAAAAAAAAAAAAAAAAAAAAAAAAAAAAAAAAAB//9k="/>
-          <p:cNvSpPr txBox="1"/>
-          <p:nvPr/>
-        </p:nvSpPr>
-        <p:spPr>
-          <a:xfrm>
-            <a:off x="155575" y="-144462"/>
-            <a:ext cx="304800" cy="304800"/>
-          </a:xfrm>
-          <a:prstGeom prst="rect">
-            <a:avLst/>
-          </a:prstGeom>
-          <a:noFill/>
-          <a:ln>
-            <a:noFill/>
-          </a:ln>
-        </p:spPr>
-        <p:txBody>
-          <a:bodyPr spcFirstLastPara="1" wrap="square" lIns="91425" tIns="45700" rIns="91425" bIns="45700" anchor="t" anchorCtr="0">
-            <a:noAutofit/>
-          </a:bodyPr>
-          <a:lstStyle/>
-          <a:p>
-            <a:pPr marL="0" marR="0" lvl="0" indent="0" algn="l" rtl="0">
-              <a:lnSpc>
-                <a:spcPct val="100000"/>
-              </a:lnSpc>
-              <a:spcBef>
-                <a:spcPts val="0"/>
-              </a:spcBef>
-              <a:spcAft>
-                <a:spcPts val="0"/>
-              </a:spcAft>
-              <a:buClr>
-                <a:srgbClr val="000000"/>
-              </a:buClr>
-              <a:buSzPts val="1800"/>
-              <a:buFont typeface="Arial"/>
-              <a:buNone/>
-            </a:pPr>
-            <a:endParaRPr sz="1800" b="0" i="0" u="none" strike="noStrike" cap="none">
-              <a:solidFill>
-                <a:schemeClr val="dk1"/>
-              </a:solidFill>
-              <a:latin typeface="Calibri"/>
-              <a:ea typeface="Calibri"/>
-              <a:cs typeface="Calibri"/>
-              <a:sym typeface="Calibri"/>
-            </a:endParaRPr>
-          </a:p>
-        </p:txBody>
-      </p:sp>
-      <p:sp>
-        <p:nvSpPr>
-          <p:cNvPr id="207" name="Google Shape;207;p28"/>
-          <p:cNvSpPr/>
-          <p:nvPr/>
-        </p:nvSpPr>
-        <p:spPr>
-          <a:xfrm>
-            <a:off x="4322618" y="4535055"/>
-            <a:ext cx="1413163" cy="785091"/>
-          </a:xfrm>
-          <a:prstGeom prst="rect">
-            <a:avLst/>
-          </a:prstGeom>
-          <a:noFill/>
-          <a:ln w="25400" cap="flat" cmpd="sng">
-            <a:solidFill>
-              <a:schemeClr val="accent2"/>
-            </a:solidFill>
-            <a:prstDash val="solid"/>
-            <a:round/>
-            <a:headEnd type="none" w="sm" len="sm"/>
-            <a:tailEnd type="none" w="sm" len="sm"/>
-          </a:ln>
-        </p:spPr>
-        <p:txBody>
-          <a:bodyPr spcFirstLastPara="1" wrap="square" lIns="91425" tIns="45700" rIns="91425" bIns="45700" anchor="ctr" anchorCtr="0">
-            <a:noAutofit/>
-          </a:bodyPr>
-          <a:lstStyle/>
-          <a:p>
-            <a:pPr marL="0" marR="0" lvl="0" indent="0" algn="ctr" rtl="0">
-              <a:lnSpc>
-                <a:spcPct val="100000"/>
-              </a:lnSpc>
-              <a:spcBef>
-                <a:spcPts val="0"/>
-              </a:spcBef>
-              <a:spcAft>
-                <a:spcPts val="0"/>
-              </a:spcAft>
-              <a:buNone/>
-            </a:pPr>
-            <a:endParaRPr sz="1400" b="0" i="0" u="none" strike="noStrike" cap="none">
-              <a:solidFill>
-                <a:schemeClr val="dk1"/>
-              </a:solidFill>
-              <a:latin typeface="Arial"/>
-              <a:ea typeface="Arial"/>
-              <a:cs typeface="Arial"/>
-              <a:sym typeface="Arial"/>
-            </a:endParaRPr>
-          </a:p>
-        </p:txBody>
-      </p:sp>
-      <p:pic>
-        <p:nvPicPr>
-          <p:cNvPr id="1026" name="Picture 2"/>
-          <p:cNvPicPr>
-            <a:picLocks noChangeAspect="1" noChangeArrowheads="1"/>
-          </p:cNvPicPr>
-          <p:nvPr/>
-        </p:nvPicPr>
-        <p:blipFill>
-          <a:blip r:embed="rId4"/>
-          <a:srcRect l="29532" t="30000" r="20312" b="25833"/>
-          <a:stretch>
-            <a:fillRect/>
-          </a:stretch>
-        </p:blipFill>
-        <p:spPr bwMode="auto">
-          <a:xfrm>
-            <a:off x="500034" y="1571612"/>
-            <a:ext cx="8220762" cy="4071966"/>
-          </a:xfrm>
-          <a:prstGeom prst="rect">
-            <a:avLst/>
-          </a:prstGeom>
-          <a:noFill/>
-          <a:ln w="9525">
-            <a:noFill/>
-            <a:miter lim="800000"/>
-            <a:headEnd/>
-            <a:tailEnd/>
-          </a:ln>
-          <a:effectLst/>
-        </p:spPr>
-      </p:pic>
-      <p:sp>
-        <p:nvSpPr>
-          <p:cNvPr id="11" name="Прямоугольник 10"/>
-          <p:cNvSpPr/>
-          <p:nvPr/>
-        </p:nvSpPr>
-        <p:spPr>
-          <a:xfrm>
-            <a:off x="7572396" y="3143248"/>
-            <a:ext cx="1214414" cy="928694"/>
-          </a:xfrm>
-          <a:prstGeom prst="rect">
-            <a:avLst/>
-          </a:prstGeom>
-          <a:noFill/>
-        </p:spPr>
-        <p:style>
-          <a:lnRef idx="2">
-            <a:schemeClr val="accent1">
-              <a:shade val="50000"/>
-            </a:schemeClr>
-          </a:lnRef>
-          <a:fillRef idx="1">
-            <a:schemeClr val="accent1"/>
-          </a:fillRef>
-          <a:effectRef idx="0">
-            <a:schemeClr val="accent1"/>
-          </a:effectRef>
-          <a:fontRef idx="minor">
-            <a:schemeClr val="lt1"/>
-          </a:fontRef>
-        </p:style>
-        <p:txBody>
-          <a:bodyPr rtlCol="0" anchor="ctr"/>
-          <a:lstStyle/>
-          <a:p>
-            <a:pPr algn="ctr"/>
-            <a:endParaRPr lang="ru-RU"/>
-          </a:p>
-        </p:txBody>
-      </p:sp>
-    </p:spTree>
-  </p:cSld>
-  <p:clrMapOvr>
-    <a:masterClrMapping/>
-  </p:clrMapOvr>
-</p:sld>
-</file>
-
-<file path=ppt/slides/slide5.xml><?xml version="1.0" encoding="utf-8"?>
-<p:sld xmlns:a="http://schemas.openxmlformats.org/drawingml/2006/main" xmlns:r="http://schemas.openxmlformats.org/officeDocument/2006/relationships" xmlns:p="http://schemas.openxmlformats.org/presentationml/2006/main">
-  <p:cSld>
-    <p:spTree>
-      <p:nvGrpSpPr>
-        <p:cNvPr id="1" name="Shape 212"/>
-        <p:cNvGrpSpPr/>
-        <p:nvPr/>
-      </p:nvGrpSpPr>
-      <p:grpSpPr>
-        <a:xfrm>
-          <a:off x="0" y="0"/>
-          <a:ext cx="0" cy="0"/>
-          <a:chOff x="0" y="0"/>
-          <a:chExt cx="0" cy="0"/>
-        </a:xfrm>
-      </p:grpSpPr>
-      <p:pic>
-        <p:nvPicPr>
-          <p:cNvPr id="213" name="Google Shape;213;p29" descr="http://buythesky.com.au/App_Themes/RFDS/img/template/background-video-poster.jpg"/>
-          <p:cNvPicPr preferRelativeResize="0"/>
-          <p:nvPr/>
-        </p:nvPicPr>
-        <p:blipFill rotWithShape="1">
-          <a:blip r:embed="rId3">
-            <a:alphaModFix/>
-          </a:blip>
-          <a:srcRect/>
-          <a:stretch/>
-        </p:blipFill>
-        <p:spPr>
-          <a:xfrm>
-            <a:off x="0" y="1062037"/>
-            <a:ext cx="9144000" cy="107950"/>
-          </a:xfrm>
-          <a:prstGeom prst="rect">
-            <a:avLst/>
-          </a:prstGeom>
-          <a:noFill/>
-          <a:ln>
-            <a:noFill/>
-          </a:ln>
-        </p:spPr>
-      </p:pic>
-      <p:sp>
-        <p:nvSpPr>
-          <p:cNvPr id="214" name="Google Shape;214;p29"/>
-          <p:cNvSpPr txBox="1">
-            <a:spLocks noGrp="1"/>
-          </p:cNvSpPr>
-          <p:nvPr>
-            <p:ph type="title"/>
-          </p:nvPr>
-        </p:nvSpPr>
-        <p:spPr>
-          <a:xfrm>
-            <a:off x="0" y="188912"/>
-            <a:ext cx="8243887" cy="784225"/>
-          </a:xfrm>
-          <a:prstGeom prst="rect">
-            <a:avLst/>
-          </a:prstGeom>
-          <a:noFill/>
-          <a:ln>
-            <a:noFill/>
-          </a:ln>
-        </p:spPr>
-        <p:txBody>
-          <a:bodyPr spcFirstLastPara="1" wrap="square" lIns="91425" tIns="45700" rIns="91425" bIns="45700" anchor="ctr" anchorCtr="0">
-            <a:noAutofit/>
-          </a:bodyPr>
-          <a:lstStyle/>
-          <a:p>
-            <a:pPr marL="0" marR="0" lvl="0" indent="0" algn="l" rtl="0">
-              <a:lnSpc>
-                <a:spcPct val="100000"/>
-              </a:lnSpc>
-              <a:spcBef>
-                <a:spcPts val="0"/>
-              </a:spcBef>
-              <a:spcAft>
-                <a:spcPts val="0"/>
-              </a:spcAft>
-              <a:buClr>
-                <a:srgbClr val="E46C0A"/>
-              </a:buClr>
-              <a:buSzPts val="2800"/>
-              <a:buFont typeface="Calibri"/>
-              <a:buNone/>
-            </a:pPr>
-            <a:r>
-              <a:rPr lang="ru-RU" sz="2800" b="1" i="0" u="none" strike="noStrike" cap="none">
-                <a:solidFill>
-                  <a:srgbClr val="E46C0A"/>
-                </a:solidFill>
-                <a:latin typeface="Calibri"/>
-                <a:ea typeface="Calibri"/>
-                <a:cs typeface="Calibri"/>
-                <a:sym typeface="Calibri"/>
-              </a:rPr>
-              <a:t>Use Case</a:t>
-            </a:r>
-            <a:endParaRPr sz="4400" b="0" i="0" u="none" strike="noStrike" cap="none">
-              <a:solidFill>
-                <a:schemeClr val="dk1"/>
-              </a:solidFill>
-              <a:latin typeface="Calibri"/>
-              <a:ea typeface="Calibri"/>
-              <a:cs typeface="Calibri"/>
-              <a:sym typeface="Calibri"/>
-            </a:endParaRPr>
-          </a:p>
-        </p:txBody>
-      </p:sp>
-      <p:sp>
-        <p:nvSpPr>
-          <p:cNvPr id="215" name="Google Shape;215;p29"/>
-          <p:cNvSpPr txBox="1"/>
-          <p:nvPr/>
-        </p:nvSpPr>
-        <p:spPr>
-          <a:xfrm>
-            <a:off x="8372475" y="188912"/>
-            <a:ext cx="663575" cy="360362"/>
-          </a:xfrm>
-          <a:prstGeom prst="rect">
-            <a:avLst/>
-          </a:prstGeom>
-          <a:gradFill>
-            <a:gsLst>
-              <a:gs pos="0">
-                <a:srgbClr val="A3C4FF"/>
-              </a:gs>
-              <a:gs pos="35000">
-                <a:srgbClr val="BFD5FF"/>
-              </a:gs>
-              <a:gs pos="100000">
-                <a:srgbClr val="E5EEFF"/>
-              </a:gs>
-            </a:gsLst>
-            <a:lin ang="16200000" scaled="0"/>
-          </a:gradFill>
-          <a:ln w="9525" cap="flat" cmpd="sng">
-            <a:solidFill>
-              <a:srgbClr val="4A7EBB"/>
-            </a:solidFill>
-            <a:prstDash val="solid"/>
-            <a:miter lim="800000"/>
-            <a:headEnd type="none" w="sm" len="sm"/>
-            <a:tailEnd type="none" w="sm" len="sm"/>
-          </a:ln>
-          <a:effectLst>
-            <a:outerShdw blurRad="63500" dist="38100" dir="5400000">
-              <a:srgbClr val="000000">
-                <a:alpha val="39215"/>
-              </a:srgbClr>
-            </a:outerShdw>
-          </a:effectLst>
-        </p:spPr>
-        <p:txBody>
-          <a:bodyPr spcFirstLastPara="1" wrap="square" lIns="91425" tIns="45700" rIns="91425" bIns="45700" anchor="ctr" anchorCtr="0">
-            <a:noAutofit/>
-          </a:bodyPr>
-          <a:lstStyle/>
-          <a:p>
-            <a:pPr marL="0" marR="0" lvl="0" indent="0" algn="ctr" rtl="0">
-              <a:lnSpc>
-                <a:spcPct val="100000"/>
-              </a:lnSpc>
-              <a:spcBef>
-                <a:spcPts val="0"/>
-              </a:spcBef>
-              <a:spcAft>
-                <a:spcPts val="0"/>
-              </a:spcAft>
-              <a:buClr>
-                <a:srgbClr val="000000"/>
-              </a:buClr>
-              <a:buSzPts val="1800"/>
-              <a:buFont typeface="Calibri"/>
-              <a:buNone/>
-            </a:pPr>
-            <a:r>
-              <a:rPr lang="ru-RU" sz="1800" b="1" i="0" u="none" strike="noStrike" cap="none">
-                <a:solidFill>
-                  <a:srgbClr val="000000"/>
-                </a:solidFill>
-                <a:latin typeface="Calibri"/>
-                <a:ea typeface="Calibri"/>
-                <a:cs typeface="Calibri"/>
-                <a:sym typeface="Calibri"/>
-              </a:rPr>
-              <a:t>19</a:t>
-            </a:r>
-            <a:endParaRPr sz="1400" b="0" i="0" u="none" strike="noStrike" cap="none">
-              <a:solidFill>
-                <a:srgbClr val="000000"/>
-              </a:solidFill>
-              <a:latin typeface="Arial"/>
-              <a:ea typeface="Arial"/>
-              <a:cs typeface="Arial"/>
-              <a:sym typeface="Arial"/>
-            </a:endParaRPr>
-          </a:p>
-        </p:txBody>
-      </p:sp>
-      <p:sp>
-        <p:nvSpPr>
-          <p:cNvPr id="216" name="Google Shape;216;p29"/>
-          <p:cNvSpPr txBox="1"/>
-          <p:nvPr/>
-        </p:nvSpPr>
-        <p:spPr>
-          <a:xfrm>
-            <a:off x="8372475" y="188912"/>
-            <a:ext cx="663575" cy="360362"/>
-          </a:xfrm>
-          <a:prstGeom prst="rect">
-            <a:avLst/>
-          </a:prstGeom>
-          <a:gradFill>
-            <a:gsLst>
-              <a:gs pos="0">
-                <a:srgbClr val="A3C4FF"/>
-              </a:gs>
-              <a:gs pos="35000">
-                <a:srgbClr val="BFD5FF"/>
-              </a:gs>
-              <a:gs pos="100000">
-                <a:srgbClr val="E5EEFF"/>
-              </a:gs>
-            </a:gsLst>
-            <a:lin ang="16200000" scaled="0"/>
-          </a:gradFill>
-          <a:ln w="9525" cap="flat" cmpd="sng">
-            <a:solidFill>
-              <a:srgbClr val="4A7EBB"/>
-            </a:solidFill>
-            <a:prstDash val="solid"/>
-            <a:miter lim="800000"/>
-            <a:headEnd type="none" w="sm" len="sm"/>
-            <a:tailEnd type="none" w="sm" len="sm"/>
-          </a:ln>
-          <a:effectLst>
-            <a:outerShdw blurRad="63500" dist="38100" dir="5400000">
-              <a:srgbClr val="000000">
-                <a:alpha val="39215"/>
-              </a:srgbClr>
-            </a:outerShdw>
-          </a:effectLst>
-        </p:spPr>
-        <p:txBody>
-          <a:bodyPr spcFirstLastPara="1" wrap="square" lIns="91425" tIns="45700" rIns="91425" bIns="45700" anchor="ctr" anchorCtr="0">
-            <a:noAutofit/>
-          </a:bodyPr>
-          <a:lstStyle/>
-          <a:p>
-            <a:pPr marL="0" marR="0" lvl="0" indent="0" algn="ctr" rtl="0">
-              <a:lnSpc>
-                <a:spcPct val="100000"/>
-              </a:lnSpc>
-              <a:spcBef>
-                <a:spcPts val="0"/>
-              </a:spcBef>
-              <a:spcAft>
-                <a:spcPts val="0"/>
-              </a:spcAft>
-              <a:buClr>
-                <a:srgbClr val="000000"/>
-              </a:buClr>
-              <a:buSzPts val="1800"/>
-              <a:buFont typeface="Calibri"/>
-              <a:buNone/>
-            </a:pPr>
-            <a:r>
-              <a:rPr lang="ru-RU" sz="1800" b="1" i="0" u="none" strike="noStrike" cap="none">
-                <a:solidFill>
-                  <a:srgbClr val="000000"/>
-                </a:solidFill>
-                <a:latin typeface="Calibri"/>
-                <a:ea typeface="Calibri"/>
-                <a:cs typeface="Calibri"/>
-                <a:sym typeface="Calibri"/>
-              </a:rPr>
-              <a:t>4</a:t>
-            </a:r>
-            <a:endParaRPr sz="1400" b="0" i="0" u="none" strike="noStrike" cap="none">
-              <a:solidFill>
-                <a:srgbClr val="000000"/>
-              </a:solidFill>
-              <a:latin typeface="Arial"/>
-              <a:ea typeface="Arial"/>
-              <a:cs typeface="Arial"/>
-              <a:sym typeface="Arial"/>
-            </a:endParaRPr>
-          </a:p>
-        </p:txBody>
-      </p:sp>
-      <p:sp>
-        <p:nvSpPr>
-          <p:cNvPr id="217" name="Google Shape;217;p29" descr="data:image/jpeg;base64,/9j/4AAQSkZJRgABAQAAAQABAAD/2wCEAAkGBhQSEBUUDxQVFRQUFBQUFBQUFBgUFBQUFBQVFBQUFBQXHSYeFxkkGRQUHy8gJCcpLCwsFR4xNTAqNSYrLCkBCQoKDgwOGg8PFykcHBwpLC8pLSk1LSkpKSkpKTUtKS0sLCk1NSwpKSkpKSkpKSkpLCk1KTUpNSwsKSk1LC8sKf/AABEIAJEBEAMBIgACEQEDEQH/xAAcAAABBAMBAAAAAAAAAAAAAAAABAUGBwIDCAH/xAA9EAABAwIBCAcGBQIHAAAAAAAAAQIDBAURExcxQVJTkZMGBxIhUXKzFCMyNXOyFSIkYbEWoSUzNEJDY3H/xAAbAQEAAgMBAQAAAAAAAAAAAAAABQYCAwQBB//EADYRAAEDAgEGDAYDAQAAAAAAAAABAgMEEQUGEhQWMVETITJBU2FikaGi0eEzcXKBscEVIjTw/9oADAMBAAIRAxEAPwC8AAoXrWlVLrLgqp+WLWu7QksOodNlWPOzbJfZf/tponm4Juda5fQHK2XdtO4qGXdtO4qT2rC9N5fc49P7PidUYnpytl3bS8VDLu2l4qNWF6by+40/s+J1SBytl3bS8VDLu2l4qNWF6by+40/s+J1SeIpyvl3bS8VDLu2l4qNWF6by+40/s+J1SBytl3bS8VDLu2l4qNWF6by+40/s+J1SeKpyvl3bS8VDLu2l4qNWF6by+40/s+J1SBytl3bS8VDLu2l4qNWF6by+40/s+J1SBytl3bS8VDLu2l4qNWF6by+40/s+J1RienK2XdtLxUMu7aXio1YXpvL7jT+z4nVIHK2XdtLxUMu7aXio1YXpvL7jT+z4nVJ5icr5d20vFQy7tpeKjVhem8vuNP7PidUgcrZd20vFQy7tpeKjVhem8vuNP7PidUgcrZZ20vFQy7tpeKjVhem8vuNP7PidUYnpytl3bS8VDLu2l4qNWF6by+40/s+J1SBytl3bS8VDLu2l4qNWF6by+40/s+J1SBzFZpne0w96/wCdFrXeNOnSGxPDdBVqZ+dnX5rbPup1wT8Mira1gKC62Pmsvli9NC/Sgutj5rL5YvTQ7cnP9a/Sv5Q013w/uRAAAvxDgAAAAAAAAAAAAAAAAGAAAGB72Tw8PAMuyHYFxcxAz7AdgXFzADPsB2BcXMAMuyHZFxcxA9wPMD0AAAD0AA9wAPAwPUQyRp5c8uKrKn6mH60XqNOnzmOyt/Uw/Wi9Rp04UvKblx/Jf0SuHrxOAoLrY+ay+WL00L9KF604HOu0qMa5fyxaGqv/ABp4HLk4tqpfpX8obK5bRce8hgDpB0cmd/sdwUVs6Jy60XgXd1TE3a5CvOqoW7XIMB7gSL+lnpqXga32ByajxKqNdimCVkS7HDDgGA7SWtU1CZ9JgbElauw2tma7YIsANzozWrTYim1FuYnqIeo02NYeKoVbGtGmaRimOnFkNDianSohofMjRtbAbG0o+wWpV1DhBYlXUcr6trec45K5recizaNTYlCpMo+jwobYU/Y5HYkxOc43YoxOcg/sC+AewKTr8Db4oeLYm+KGv+Uj3mv+VaQVaI1rSE5ksHgIp7Iqajeyva7nNzMSa7nIe6nNboiST2zDUIJqPA62To47WVKOGdWGCtF8kAnfGdDX3Otr7iZUDA2K0xwNlzaimKIZIgIhsa0Kp4qmKNNjYzayMUxU5pc+xpdJYyssP6iH6sX3tOkygLNSe/i+pH97S/ymZQvznx/Jf0S2EyZ6P+wFcdKrvHHXStfHjika9tq4O+BNJY5UXWB8xk8sf2IUbFHOSD+rlbdeZVT8Fuwugp66V0NSxHtzVWy77pxjnSyQyfC57f8A3vFUlmdhix+KEVtyd6E0sj1KLUVVTAt2Su+6nNimSGGtRVjZm/IZ5UezSYpIjtKIPdzjTvI85MHEzheP1SORHPVT5LimGtpH2avEY1Vqa5MWoRyvt2BMIVGm7x6T69hla6VqKpwUs72vzbkJqYMBC9o81ze8aZULbE66FqhfdDU1BXDGJ2IOFK0ykdZDOV1kFlJS4j7Q23HUJLfESikiwaQVZUKxFK5WVKpxIYw0TW6TY6ZE0GErzQxquU+dYtjroro1SNZG6Vd5sdUnnbcuhFHKkto5x25qJ39xRajH53Lyiy0mTss6XI3g/wADztuTSiknyEfiYvtzV+HBTlbjlQi8pSQkyTka26KRttSbmyoukVVlrwGtyK1cFLFh+UUt0RylYrMNkpl/shtnoWuTuGStt+A/RSHlZCitxPpmHYjwyIpxxTOjdYg9TTDbNGSWvgGSpYWuCS6Fjp5c5Bre01qgpkaaFQkGqSbVPGob42mpqCmFpi5Tx6iiCIdKWlE9LGP1BTYkbPLmoRFTNmoKbNQe9j87PuQuArq3x9l7PM3+ULFKZic3CPTqJjJmVZGyqu9P2BUfT/5jJ5Y/sQtwqPp/8xk8sf2IVbFfgp8/0p9Oye/1O+lfygit+lCZWQhlv1EzsuooFfsJjE+SptuWsjcnxEkuWsjcnxHmHctD4flDyxVCN141jjCN141n23BeQhUYfiESrholHau1jTKXuHYW+n2GMY40g3RjjSKZy7DObYSO2JoJK34UIzbXEmjXFqFVxJFzVKnW8oSzKKLew0TIbKCXBT4xjTXcIp04crUlS5J6NncIbhVKKqKdMDGsoe13p3lTbZH/ANj7JhUkeagwuq1xF9BWLia1tS4i6jtqppOmR8eaT00kWYLKluLcSN3GMkNZOiJgRuvmxUxpEW58wyhkiVFsaYVFa/ColhaKXLg0+uYC1yNS585ftI/cWkfqkH+4yEfqnH0el2E/R3sN0onU3yqaFJZpNs2GTBVAJGCuBTF5jJsHeiQk1sYRijcSS2S6CFq0WxXq5Fso9U6+8Z52/chYhXlMnvGeZv8AKFhlIqUVJFuWDJP4cvzT9gVF1gL/AIjJ5Y/sQt0rHpZeaWO4StmazKIkf5noqpgrEwwwI2spKiqizKeNXuTjsltn3+Z9AosUhwx7p5kVUtb+qXW6qnoNFrpXOVMEJpbadWJi/uI9D0iZh7t8SJ+yYGT7p2tMqcSozZO4rMtlhVqERiWXEEqKkcTvulh1uVaniMiJiuILPHreimLrrE3QuJNYZknVMciyJY+bV9dJWPvmqLY0wQZLtUJ3mNZ0gRdAw1dyx1n1HD8PWFqIaqWjfnZzkE9bJ3jXIpunnxEjnFmjZZCzQszUM2KLqZ42tcKYpDJ7boZSNuhJaCfAk9BUoqYEDpqrAeKO5YELVU2ehAVdKrthK5IxM5iovcaKW8IukWtqGO1lFxPAOGvZCItJEvGhnBcVbpHCG9fuNywoujAwWlKTUZLTIvEhLU+NTwcSKPf42niaZr3+40+ynqUpysyYnvyTrflJUOS1zOouCu0CdsaqveKEhRDx07W6yxUGTDmqiuQhJ6uSdbu4zOOMS19WiJghoqrsmoZKuvxPoVDhyRIiIggpnOW6mNbUDNUSG2oqcRDLIWWGOxYoIs1DXI40Kpk5xrVTtRCRahsaooicJEU3RvPHIYvQdqaUfKGqIvDKONPVEfNFnEXUQ5xPLVUo57PM3+ULKKVs1d72NP8AsZ9yF1FMxaLg3t67kxk3DwTZetU/YFBdbPzWXyxemhfpQXWx81l8sXpodeTf+tfpX8oTld8P7kSZO5NCm9twemtRMeF8VqLtQhVY1dqC5Lo7xUPxF3iIQMeDbuMOCZuFbqxfEwdOaAPUYiGSMRDNXmOJ4BlYyseopm1xrAWCoKWTCiOrG/tGSPNasRTU6NFHmK4KmsVxXdfEjiSGaTGh1O1TnfStdzErjvi+IoZ0gXxIelQZJUqaFomLzHM7D2LzEy/qJfExXpAviRD2pT32pTDQWbjX/Gs3Eokvi+IlluyrrGBakxWoNjaRqcxtbQtTmHaWvx1iSSqESzGCyHQ2FEOlsCIKHzGhzzBXmKqbkbY6EZYyVTHE8xPDOxnYzRTJrjWeop4qBUFLJDfHOIUcZI81qy5qcy5ILNU+/i+rH97ToY5ossv6iH60XqNOlymZRNzXx/Jf0S2FszUd9gKC62Pmsvli9NC/Sgutj5rL5YvTQ1ZOf61+lfyh013w/uRAAAvxDgAAAAAAAAAAAAAAAAAABiAABie4ngA8Pe0HaPAPBY97Qdo8ACx72gxPAADEAA9PQAAAAAAA9xPcTEDw8F9lX9TD9aL1GnTpzBZf9TD9aL1GnT5S8puXH8l/RK0GxwFT9Pur2sqq+SaBjFY5saIqyNav5WIi9y/uWwBX6Otko5OEjte1uP8A7qO2WJsqZrihc0lw3cfNaGaS4buPmtL6AltY6vc3uX1OfQY+soXNJcN3HzWhmkuG7j5rS+gGsdXub3L6jQY+soXNJcN3HzWhmkuG7j5rS+gGsdXub3L6jQY+soXNJcN3HzWhmkuG7j5rS+gGsdXub3L6jQY+soXNJcN3HzWhmkuG7j5rS+gGsdXub3L6jQY+soXNJcN3HzWhmkuG7j5rS+gGsdXub3L6jQY+soXNJcN3HzWhmkuG7j5rS+gGsdXub3L6jQY+soXNJcN3HzWhmkuG7j5rS+gGsdXub3L6jQY+soXNJcN3HzWhmkuG7j5rS+gGsdXub3L6jQY+soXNJcN3HzWhmkuG7j5rS+gGsdXub3L6jQY+soXNJcN3HzWhmkuG7j5rS+gGsdXub3L6jQY+soXNJcN3HzWhmkuG7j5rS+gGsdXub3L6jQY+soXNJcN3HzWhmkuG7j5rS+gGsdXub3L6jQY+soXNJcN3HzWhmkuG7j5rS+gGsdXub3L6jQY+soXNJcN3HzWhmkuG7j5rS+gGsdXub3L6jQY+so629VdeyaJ7o2dlskbl963Q16Kv9kLxACNrsQlrVasiJ/Xd1m+KFsV83nAAAjzcAAAAAAAAAAAAAAAAAAAAAAAAAAAAAAAAAAAAAAAAAAAAAAAAAAAAAAAAAAB//9k="/>
-          <p:cNvSpPr txBox="1"/>
-          <p:nvPr/>
-        </p:nvSpPr>
-        <p:spPr>
-          <a:xfrm>
-            <a:off x="155575" y="-144462"/>
-            <a:ext cx="304800" cy="304800"/>
-          </a:xfrm>
-          <a:prstGeom prst="rect">
-            <a:avLst/>
-          </a:prstGeom>
-          <a:noFill/>
-          <a:ln>
-            <a:noFill/>
-          </a:ln>
-        </p:spPr>
-        <p:txBody>
-          <a:bodyPr spcFirstLastPara="1" wrap="square" lIns="91425" tIns="45700" rIns="91425" bIns="45700" anchor="t" anchorCtr="0">
-            <a:noAutofit/>
-          </a:bodyPr>
-          <a:lstStyle/>
-          <a:p>
-            <a:pPr marL="0" marR="0" lvl="0" indent="0" algn="l" rtl="0">
-              <a:lnSpc>
-                <a:spcPct val="100000"/>
-              </a:lnSpc>
-              <a:spcBef>
-                <a:spcPts val="0"/>
-              </a:spcBef>
-              <a:spcAft>
-                <a:spcPts val="0"/>
-              </a:spcAft>
-              <a:buClr>
-                <a:srgbClr val="000000"/>
-              </a:buClr>
-              <a:buSzPts val="1800"/>
-              <a:buFont typeface="Arial"/>
-              <a:buNone/>
-            </a:pPr>
-            <a:endParaRPr sz="1800" b="0" i="0" u="none" strike="noStrike" cap="none">
-              <a:solidFill>
-                <a:schemeClr val="dk1"/>
-              </a:solidFill>
-              <a:latin typeface="Calibri"/>
-              <a:ea typeface="Calibri"/>
-              <a:cs typeface="Calibri"/>
-              <a:sym typeface="Calibri"/>
-            </a:endParaRPr>
-          </a:p>
-        </p:txBody>
-      </p:sp>
-      <p:pic>
-        <p:nvPicPr>
-          <p:cNvPr id="2051" name="Picture 3"/>
-          <p:cNvPicPr>
-            <a:picLocks noChangeAspect="1" noChangeArrowheads="1"/>
-          </p:cNvPicPr>
-          <p:nvPr/>
-        </p:nvPicPr>
-        <p:blipFill>
-          <a:blip r:embed="rId4"/>
-          <a:srcRect l="44894" t="54920" r="18906" b="5833"/>
-          <a:stretch>
-            <a:fillRect/>
-          </a:stretch>
-        </p:blipFill>
-        <p:spPr bwMode="auto">
-          <a:xfrm>
-            <a:off x="0" y="3721197"/>
-            <a:ext cx="5143536" cy="3136803"/>
-          </a:xfrm>
-          <a:prstGeom prst="rect">
-            <a:avLst/>
-          </a:prstGeom>
-          <a:noFill/>
-          <a:ln w="9525">
-            <a:noFill/>
-            <a:miter lim="800000"/>
-            <a:headEnd/>
-            <a:tailEnd/>
-          </a:ln>
-          <a:effectLst/>
-        </p:spPr>
-      </p:pic>
-      <p:pic>
-        <p:nvPicPr>
-          <p:cNvPr id="10" name="Picture 3"/>
-          <p:cNvPicPr>
-            <a:picLocks noChangeAspect="1" noChangeArrowheads="1"/>
-          </p:cNvPicPr>
-          <p:nvPr/>
-        </p:nvPicPr>
-        <p:blipFill>
-          <a:blip r:embed="rId4"/>
-          <a:srcRect l="45469" t="19167" r="18906" b="46102"/>
-          <a:stretch>
-            <a:fillRect/>
-          </a:stretch>
-        </p:blipFill>
-        <p:spPr bwMode="auto">
-          <a:xfrm>
-            <a:off x="3857620" y="1285860"/>
-            <a:ext cx="5143536" cy="2428892"/>
-          </a:xfrm>
-          <a:prstGeom prst="rect">
-            <a:avLst/>
-          </a:prstGeom>
-          <a:noFill/>
-          <a:ln w="9525">
-            <a:noFill/>
-            <a:miter lim="800000"/>
-            <a:headEnd/>
-            <a:tailEnd/>
-          </a:ln>
-          <a:effectLst/>
-        </p:spPr>
-      </p:pic>
-    </p:spTree>
-  </p:cSld>
-  <p:clrMapOvr>
-    <a:masterClrMapping/>
-  </p:clrMapOvr>
-</p:sld>
-</file>
-
-<file path=ppt/slides/slide6.xml><?xml version="1.0" encoding="utf-8"?>
 <p:sld xmlns:a="http://schemas.openxmlformats.org/drawingml/2006/main" xmlns:r="http://schemas.openxmlformats.org/officeDocument/2006/relationships" xmlns:p="http://schemas.openxmlformats.org/presentationml/2006/main">
   <p:cSld>
     <p:spTree>
@@ -53613,190 +51940,6 @@
       </p:sp>
       <p:sp>
         <p:nvSpPr>
-          <p:cNvPr id="225" name="Google Shape;225;p30"/>
-          <p:cNvSpPr txBox="1"/>
-          <p:nvPr/>
-        </p:nvSpPr>
-        <p:spPr>
-          <a:xfrm>
-            <a:off x="8372475" y="188912"/>
-            <a:ext cx="663575" cy="360362"/>
-          </a:xfrm>
-          <a:prstGeom prst="rect">
-            <a:avLst/>
-          </a:prstGeom>
-          <a:gradFill>
-            <a:gsLst>
-              <a:gs pos="0">
-                <a:srgbClr val="A3C4FF"/>
-              </a:gs>
-              <a:gs pos="35000">
-                <a:srgbClr val="BFD5FF"/>
-              </a:gs>
-              <a:gs pos="100000">
-                <a:srgbClr val="E5EEFF"/>
-              </a:gs>
-            </a:gsLst>
-            <a:lin ang="16200000" scaled="0"/>
-          </a:gradFill>
-          <a:ln w="9525" cap="flat" cmpd="sng">
-            <a:solidFill>
-              <a:srgbClr val="4A7EBB"/>
-            </a:solidFill>
-            <a:prstDash val="solid"/>
-            <a:miter lim="800000"/>
-            <a:headEnd type="none" w="sm" len="sm"/>
-            <a:tailEnd type="none" w="sm" len="sm"/>
-          </a:ln>
-          <a:effectLst>
-            <a:outerShdw blurRad="63500" dist="38100" dir="5400000">
-              <a:srgbClr val="000000">
-                <a:alpha val="39215"/>
-              </a:srgbClr>
-            </a:outerShdw>
-          </a:effectLst>
-        </p:spPr>
-        <p:txBody>
-          <a:bodyPr spcFirstLastPara="1" wrap="square" lIns="91425" tIns="45700" rIns="91425" bIns="45700" anchor="ctr" anchorCtr="0">
-            <a:noAutofit/>
-          </a:bodyPr>
-          <a:lstStyle/>
-          <a:p>
-            <a:pPr marL="0" marR="0" lvl="0" indent="0" algn="ctr" rtl="0">
-              <a:lnSpc>
-                <a:spcPct val="100000"/>
-              </a:lnSpc>
-              <a:spcBef>
-                <a:spcPts val="0"/>
-              </a:spcBef>
-              <a:spcAft>
-                <a:spcPts val="0"/>
-              </a:spcAft>
-              <a:buClr>
-                <a:srgbClr val="000000"/>
-              </a:buClr>
-              <a:buSzPts val="1800"/>
-              <a:buFont typeface="Calibri"/>
-              <a:buNone/>
-            </a:pPr>
-            <a:r>
-              <a:rPr lang="ru-RU" sz="1800" b="1" i="0" u="none" strike="noStrike" cap="none">
-                <a:solidFill>
-                  <a:srgbClr val="000000"/>
-                </a:solidFill>
-                <a:latin typeface="Calibri"/>
-                <a:ea typeface="Calibri"/>
-                <a:cs typeface="Calibri"/>
-                <a:sym typeface="Calibri"/>
-              </a:rPr>
-              <a:t>19</a:t>
-            </a:r>
-            <a:endParaRPr sz="1400" b="0" i="0" u="none" strike="noStrike" cap="none">
-              <a:solidFill>
-                <a:srgbClr val="000000"/>
-              </a:solidFill>
-              <a:latin typeface="Arial"/>
-              <a:ea typeface="Arial"/>
-              <a:cs typeface="Arial"/>
-              <a:sym typeface="Arial"/>
-            </a:endParaRPr>
-          </a:p>
-        </p:txBody>
-      </p:sp>
-      <p:sp>
-        <p:nvSpPr>
-          <p:cNvPr id="226" name="Google Shape;226;p30"/>
-          <p:cNvSpPr txBox="1"/>
-          <p:nvPr/>
-        </p:nvSpPr>
-        <p:spPr>
-          <a:xfrm>
-            <a:off x="8372475" y="188912"/>
-            <a:ext cx="663575" cy="360362"/>
-          </a:xfrm>
-          <a:prstGeom prst="rect">
-            <a:avLst/>
-          </a:prstGeom>
-          <a:gradFill>
-            <a:gsLst>
-              <a:gs pos="0">
-                <a:srgbClr val="A3C4FF"/>
-              </a:gs>
-              <a:gs pos="35000">
-                <a:srgbClr val="BFD5FF"/>
-              </a:gs>
-              <a:gs pos="100000">
-                <a:srgbClr val="E5EEFF"/>
-              </a:gs>
-            </a:gsLst>
-            <a:lin ang="16200000" scaled="0"/>
-          </a:gradFill>
-          <a:ln w="9525" cap="flat" cmpd="sng">
-            <a:solidFill>
-              <a:srgbClr val="4A7EBB"/>
-            </a:solidFill>
-            <a:prstDash val="solid"/>
-            <a:miter lim="800000"/>
-            <a:headEnd type="none" w="sm" len="sm"/>
-            <a:tailEnd type="none" w="sm" len="sm"/>
-          </a:ln>
-          <a:effectLst>
-            <a:outerShdw blurRad="63500" dist="38100" dir="5400000">
-              <a:srgbClr val="000000">
-                <a:alpha val="39215"/>
-              </a:srgbClr>
-            </a:outerShdw>
-          </a:effectLst>
-        </p:spPr>
-        <p:txBody>
-          <a:bodyPr spcFirstLastPara="1" wrap="square" lIns="91425" tIns="45700" rIns="91425" bIns="45700" anchor="ctr" anchorCtr="0">
-            <a:noAutofit/>
-          </a:bodyPr>
-          <a:lstStyle/>
-          <a:p>
-            <a:pPr marL="0" marR="0" lvl="0" indent="0" algn="ctr" rtl="0">
-              <a:lnSpc>
-                <a:spcPct val="100000"/>
-              </a:lnSpc>
-              <a:spcBef>
-                <a:spcPts val="0"/>
-              </a:spcBef>
-              <a:spcAft>
-                <a:spcPts val="0"/>
-              </a:spcAft>
-              <a:buClr>
-                <a:srgbClr val="000000"/>
-              </a:buClr>
-              <a:buSzPts val="1800"/>
-              <a:buFont typeface="Calibri"/>
-              <a:buNone/>
-            </a:pPr>
-            <a:r>
-              <a:rPr lang="ru-RU" sz="1800" b="1" i="0" u="none" strike="noStrike" cap="none">
-                <a:solidFill>
-                  <a:srgbClr val="000000"/>
-                </a:solidFill>
-                <a:latin typeface="Calibri"/>
-                <a:ea typeface="Calibri"/>
-                <a:cs typeface="Calibri"/>
-                <a:sym typeface="Calibri"/>
-              </a:rPr>
-              <a:t>5</a:t>
-            </a:r>
-            <a:endParaRPr sz="1400" b="0" i="0" u="none" strike="noStrike" cap="none">
-              <a:solidFill>
-                <a:srgbClr val="000000"/>
-              </a:solidFill>
-              <a:latin typeface="Arial"/>
-              <a:ea typeface="Arial"/>
-              <a:cs typeface="Arial"/>
-              <a:sym typeface="Arial"/>
-            </a:endParaRPr>
-          </a:p>
-        </p:txBody>
-      </p:sp>
-      <p:sp>
-        <p:nvSpPr>
           <p:cNvPr id="227" name="Google Shape;227;p30" descr="data:image/jpeg;base64,/9j/4AAQSkZJRgABAQAAAQABAAD/2wCEAAkGBhQSEBUUDxQVFRQUFBQUFBQUFBgUFBQUFBQVFBQUFBQXHSYeFxkkGRQUHy8gJCcpLCwsFR4xNTAqNSYrLCkBCQoKDgwOGg8PFykcHBwpLC8pLSk1LSkpKSkpKTUtKS0sLCk1NSwpKSkpKSkpKSkpLCk1KTUpNSwsKSk1LC8sKf/AABEIAJEBEAMBIgACEQEDEQH/xAAcAAABBAMBAAAAAAAAAAAAAAAABAUGBwIDCAH/xAA9EAABAwIBCAcGBQIHAAAAAAAAAQIDBAURExcxQVJTkZMGBxIhUXKzFCMyNXOyFSIkYbEWoSUzNEJDY3H/xAAbAQEAAgMBAQAAAAAAAAAAAAAABQYCAwQBB//EADYRAAEDAgEGDAYDAQAAAAAAAAABAgMEEQUGEhQWMVETITJBU2FikaGi0eEzcXKBscEVIjTw/9oADAMBAAIRAxEAPwC8AAoXrWlVLrLgqp+WLWu7QksOodNlWPOzbJfZf/tponm4Juda5fQHK2XdtO4qGXdtO4qT2rC9N5fc49P7PidUYnpytl3bS8VDLu2l4qNWF6by+40/s+J1SBytl3bS8VDLu2l4qNWF6by+40/s+J1SeIpyvl3bS8VDLu2l4qNWF6by+40/s+J1SBytl3bS8VDLu2l4qNWF6by+40/s+J1SeKpyvl3bS8VDLu2l4qNWF6by+40/s+J1SBytl3bS8VDLu2l4qNWF6by+40/s+J1SBytl3bS8VDLu2l4qNWF6by+40/s+J1RienK2XdtLxUMu7aXio1YXpvL7jT+z4nVIHK2XdtLxUMu7aXio1YXpvL7jT+z4nVJ5icr5d20vFQy7tpeKjVhem8vuNP7PidUgcrZd20vFQy7tpeKjVhem8vuNP7PidUgcrZZ20vFQy7tpeKjVhem8vuNP7PidUYnpytl3bS8VDLu2l4qNWF6by+40/s+J1SBytl3bS8VDLu2l4qNWF6by+40/s+J1SBzFZpne0w96/wCdFrXeNOnSGxPDdBVqZ+dnX5rbPup1wT8Mira1gKC62Pmsvli9NC/Sgutj5rL5YvTQ7cnP9a/Sv5Q013w/uRAAAvxDgAAAAAAAAAAAAAAAAGAAAGB72Tw8PAMuyHYFxcxAz7AdgXFzADPsB2BcXMAMuyHZFxcxA9wPMD0AAAD0AA9wAPAwPUQyRp5c8uKrKn6mH60XqNOnzmOyt/Uw/Wi9Rp04UvKblx/Jf0SuHrxOAoLrY+ay+WL00L9KF604HOu0qMa5fyxaGqv/ABp4HLk4tqpfpX8obK5bRce8hgDpB0cmd/sdwUVs6Jy60XgXd1TE3a5CvOqoW7XIMB7gSL+lnpqXga32ByajxKqNdimCVkS7HDDgGA7SWtU1CZ9JgbElauw2tma7YIsANzozWrTYim1FuYnqIeo02NYeKoVbGtGmaRimOnFkNDianSohofMjRtbAbG0o+wWpV1DhBYlXUcr6trec45K5recizaNTYlCpMo+jwobYU/Y5HYkxOc43YoxOcg/sC+AewKTr8Db4oeLYm+KGv+Uj3mv+VaQVaI1rSE5ksHgIp7Iqajeyva7nNzMSa7nIe6nNboiST2zDUIJqPA62To47WVKOGdWGCtF8kAnfGdDX3Otr7iZUDA2K0xwNlzaimKIZIgIhsa0Kp4qmKNNjYzayMUxU5pc+xpdJYyssP6iH6sX3tOkygLNSe/i+pH97S/ymZQvznx/Jf0S2EyZ6P+wFcdKrvHHXStfHjika9tq4O+BNJY5UXWB8xk8sf2IUbFHOSD+rlbdeZVT8Fuwugp66V0NSxHtzVWy77pxjnSyQyfC57f8A3vFUlmdhix+KEVtyd6E0sj1KLUVVTAt2Su+6nNimSGGtRVjZm/IZ5UezSYpIjtKIPdzjTvI85MHEzheP1SORHPVT5LimGtpH2avEY1Vqa5MWoRyvt2BMIVGm7x6T69hla6VqKpwUs72vzbkJqYMBC9o81ze8aZULbE66FqhfdDU1BXDGJ2IOFK0ykdZDOV1kFlJS4j7Q23HUJLfESikiwaQVZUKxFK5WVKpxIYw0TW6TY6ZE0GErzQxquU+dYtjroro1SNZG6Vd5sdUnnbcuhFHKkto5x25qJ39xRajH53Lyiy0mTss6XI3g/wADztuTSiknyEfiYvtzV+HBTlbjlQi8pSQkyTka26KRttSbmyoukVVlrwGtyK1cFLFh+UUt0RylYrMNkpl/shtnoWuTuGStt+A/RSHlZCitxPpmHYjwyIpxxTOjdYg9TTDbNGSWvgGSpYWuCS6Fjp5c5Bre01qgpkaaFQkGqSbVPGob42mpqCmFpi5Tx6iiCIdKWlE9LGP1BTYkbPLmoRFTNmoKbNQe9j87PuQuArq3x9l7PM3+ULFKZic3CPTqJjJmVZGyqu9P2BUfT/5jJ5Y/sQtwqPp/8xk8sf2IVbFfgp8/0p9Oye/1O+lfygit+lCZWQhlv1EzsuooFfsJjE+SptuWsjcnxEkuWsjcnxHmHctD4flDyxVCN141jjCN141n23BeQhUYfiESrholHau1jTKXuHYW+n2GMY40g3RjjSKZy7DObYSO2JoJK34UIzbXEmjXFqFVxJFzVKnW8oSzKKLew0TIbKCXBT4xjTXcIp04crUlS5J6NncIbhVKKqKdMDGsoe13p3lTbZH/ANj7JhUkeagwuq1xF9BWLia1tS4i6jtqppOmR8eaT00kWYLKluLcSN3GMkNZOiJgRuvmxUxpEW58wyhkiVFsaYVFa/ColhaKXLg0+uYC1yNS585ftI/cWkfqkH+4yEfqnH0el2E/R3sN0onU3yqaFJZpNs2GTBVAJGCuBTF5jJsHeiQk1sYRijcSS2S6CFq0WxXq5Fso9U6+8Z52/chYhXlMnvGeZv8AKFhlIqUVJFuWDJP4cvzT9gVF1gL/AIjJ5Y/sQt0rHpZeaWO4StmazKIkf5noqpgrEwwwI2spKiqizKeNXuTjsltn3+Z9AosUhwx7p5kVUtb+qXW6qnoNFrpXOVMEJpbadWJi/uI9D0iZh7t8SJ+yYGT7p2tMqcSozZO4rMtlhVqERiWXEEqKkcTvulh1uVaniMiJiuILPHreimLrrE3QuJNYZknVMciyJY+bV9dJWPvmqLY0wQZLtUJ3mNZ0gRdAw1dyx1n1HD8PWFqIaqWjfnZzkE9bJ3jXIpunnxEjnFmjZZCzQszUM2KLqZ42tcKYpDJ7boZSNuhJaCfAk9BUoqYEDpqrAeKO5YELVU2ehAVdKrthK5IxM5iovcaKW8IukWtqGO1lFxPAOGvZCItJEvGhnBcVbpHCG9fuNywoujAwWlKTUZLTIvEhLU+NTwcSKPf42niaZr3+40+ynqUpysyYnvyTrflJUOS1zOouCu0CdsaqveKEhRDx07W6yxUGTDmqiuQhJ6uSdbu4zOOMS19WiJghoqrsmoZKuvxPoVDhyRIiIggpnOW6mNbUDNUSG2oqcRDLIWWGOxYoIs1DXI40Kpk5xrVTtRCRahsaooicJEU3RvPHIYvQdqaUfKGqIvDKONPVEfNFnEXUQ5xPLVUo57PM3+ULKKVs1d72NP8AsZ9yF1FMxaLg3t67kxk3DwTZetU/YFBdbPzWXyxemhfpQXWx81l8sXpodeTf+tfpX8oTld8P7kSZO5NCm9twemtRMeF8VqLtQhVY1dqC5Lo7xUPxF3iIQMeDbuMOCZuFbqxfEwdOaAPUYiGSMRDNXmOJ4BlYyseopm1xrAWCoKWTCiOrG/tGSPNasRTU6NFHmK4KmsVxXdfEjiSGaTGh1O1TnfStdzErjvi+IoZ0gXxIelQZJUqaFomLzHM7D2LzEy/qJfExXpAviRD2pT32pTDQWbjX/Gs3Eokvi+IlluyrrGBakxWoNjaRqcxtbQtTmHaWvx1iSSqESzGCyHQ2FEOlsCIKHzGhzzBXmKqbkbY6EZYyVTHE8xPDOxnYzRTJrjWeop4qBUFLJDfHOIUcZI81qy5qcy5ILNU+/i+rH97ToY5ossv6iH60XqNOlymZRNzXx/Jf0S2FszUd9gKC62Pmsvli9NC/Sgutj5rL5YvTQ1ZOf61+lfyh013w/uRAAAvxDgAAAAAAAAAAAAAAAAAABiAABie4ngA8Pe0HaPAPBY97Qdo8ACx72gxPAADEAA9PQAAAAAAA9xPcTEDw8F9lX9TD9aL1GnTpzBZf9TD9aL1GnT5S8puXH8l/RK0GxwFT9Pur2sqq+SaBjFY5saIqyNav5WIi9y/uWwBX6Otko5OEjte1uP8A7qO2WJsqZrihc0lw3cfNaGaS4buPmtL6AltY6vc3uX1OfQY+soXNJcN3HzWhmkuG7j5rS+gGsdXub3L6jQY+soXNJcN3HzWhmkuG7j5rS+gGsdXub3L6jQY+soXNJcN3HzWhmkuG7j5rS+gGsdXub3L6jQY+soXNJcN3HzWhmkuG7j5rS+gGsdXub3L6jQY+soXNJcN3HzWhmkuG7j5rS+gGsdXub3L6jQY+soXNJcN3HzWhmkuG7j5rS+gGsdXub3L6jQY+soXNJcN3HzWhmkuG7j5rS+gGsdXub3L6jQY+soXNJcN3HzWhmkuG7j5rS+gGsdXub3L6jQY+soXNJcN3HzWhmkuG7j5rS+gGsdXub3L6jQY+soXNJcN3HzWhmkuG7j5rS+gGsdXub3L6jQY+soXNJcN3HzWhmkuG7j5rS+gGsdXub3L6jQY+soXNJcN3HzWhmkuG7j5rS+gGsdXub3L6jQY+soXNJcN3HzWhmkuG7j5rS+gGsdXub3L6jQY+soXNJcN3HzWhmkuG7j5rS+gGsdXub3L6jQY+so629VdeyaJ7o2dlskbl963Q16Kv9kLxACNrsQlrVasiJ/Xd1m+KFsV83nAAAjzcAAAAAAAAAAAAAAAAAAAAAAAAAAAAAAAAAAAAAAAAAAAAAAAAAAAAAAAAAAB//9k="/>
           <p:cNvSpPr txBox="1"/>
           <p:nvPr/>
@@ -53849,33 +51992,6 @@
           </a:p>
         </p:txBody>
       </p:sp>
-      <p:pic>
-        <p:nvPicPr>
-          <p:cNvPr id="229" name="Google Shape;229;p30"/>
-          <p:cNvPicPr preferRelativeResize="0"/>
-          <p:nvPr/>
-        </p:nvPicPr>
-        <p:blipFill rotWithShape="1">
-          <a:blip r:embed="rId4">
-            <a:alphaModFix/>
-          </a:blip>
-          <a:srcRect/>
-          <a:stretch/>
-        </p:blipFill>
-        <p:spPr>
-          <a:xfrm>
-            <a:off x="5572132" y="3857628"/>
-            <a:ext cx="3999156" cy="2731477"/>
-          </a:xfrm>
-          <a:prstGeom prst="rect">
-            <a:avLst/>
-          </a:prstGeom>
-          <a:noFill/>
-          <a:ln>
-            <a:noFill/>
-          </a:ln>
-        </p:spPr>
-      </p:pic>
       <p:sp>
         <p:nvSpPr>
           <p:cNvPr id="230" name="Google Shape;230;p30"/>
@@ -54036,77 +52152,13 @@
       </p:sp>
       <p:sp>
         <p:nvSpPr>
-          <p:cNvPr id="11" name="TextBox 10"/>
-          <p:cNvSpPr txBox="1"/>
-          <p:nvPr/>
-        </p:nvSpPr>
-        <p:spPr>
-          <a:xfrm>
-            <a:off x="6500826" y="3643314"/>
-            <a:ext cx="2071702" cy="523220"/>
-          </a:xfrm>
-          <a:prstGeom prst="rect">
-            <a:avLst/>
-          </a:prstGeom>
-          <a:noFill/>
-        </p:spPr>
-        <p:txBody>
-          <a:bodyPr wrap="square" rtlCol="0">
-            <a:spAutoFit/>
-          </a:bodyPr>
-          <a:lstStyle/>
-          <a:p>
-            <a:pPr algn="ctr"/>
-            <a:r>
-              <a:rPr lang="uk-UA" dirty="0" smtClean="0"/>
-              <a:t>Популярні направлення походів</a:t>
-            </a:r>
-            <a:endParaRPr lang="ru-RU" dirty="0"/>
-          </a:p>
-        </p:txBody>
-      </p:sp>
-      <p:pic>
-        <p:nvPicPr>
-          <p:cNvPr id="3074" name="Picture 2"/>
-          <p:cNvPicPr>
-            <a:picLocks noChangeAspect="1" noChangeArrowheads="1"/>
-          </p:cNvPicPr>
-          <p:nvPr/>
-        </p:nvPicPr>
-        <p:blipFill>
-          <a:blip r:embed="rId5"/>
-          <a:srcRect l="33282" t="34167" r="31093" b="21666"/>
-          <a:stretch>
-            <a:fillRect/>
-          </a:stretch>
-        </p:blipFill>
-        <p:spPr bwMode="auto">
-          <a:xfrm>
-            <a:off x="0" y="2500306"/>
-            <a:ext cx="5429288" cy="3786214"/>
-          </a:xfrm>
-          <a:prstGeom prst="rect">
-            <a:avLst/>
-          </a:prstGeom>
-          <a:noFill/>
-          <a:ln w="9525">
-            <a:noFill/>
-            <a:miter lim="800000"/>
-            <a:headEnd/>
-            <a:tailEnd/>
-          </a:ln>
-          <a:effectLst/>
-        </p:spPr>
-      </p:pic>
-      <p:sp>
-        <p:nvSpPr>
           <p:cNvPr id="13" name="TextBox 12"/>
           <p:cNvSpPr txBox="1"/>
           <p:nvPr/>
         </p:nvSpPr>
         <p:spPr>
           <a:xfrm>
-            <a:off x="1500166" y="2071678"/>
+            <a:off x="1000100" y="2500306"/>
             <a:ext cx="2643206" cy="307777"/>
           </a:xfrm>
           <a:prstGeom prst="rect">
@@ -54122,8 +52174,40 @@
           <a:p>
             <a:pPr algn="ctr"/>
             <a:r>
+              <a:rPr lang="ru-RU" dirty="0" err="1" smtClean="0"/>
+              <a:t>Розкид</a:t>
+            </a:r>
+            <a:r>
+              <a:rPr lang="ru-RU" dirty="0" smtClean="0"/>
+              <a:t> </a:t>
+            </a:r>
+            <a:r>
+              <a:rPr lang="ru-RU" dirty="0" err="1" smtClean="0"/>
+              <a:t>оцінок</a:t>
+            </a:r>
+            <a:r>
+              <a:rPr lang="ru-RU" dirty="0" smtClean="0"/>
+              <a:t> </a:t>
+            </a:r>
+            <a:r>
+              <a:rPr lang="ru-RU" dirty="0" err="1" smtClean="0"/>
+              <a:t>складності</a:t>
+            </a:r>
+            <a:r>
+              <a:rPr lang="ru-RU" smtClean="0"/>
+              <a:t> </a:t>
+            </a:r>
+            <a:r>
+              <a:rPr lang="uk-UA" smtClean="0"/>
+              <a:t>у </a:t>
+            </a:r>
+            <a:r>
               <a:rPr lang="uk-UA" dirty="0" smtClean="0"/>
-              <a:t>Перепади висот по дням</a:t>
+              <a:t>%</a:t>
+            </a:r>
+            <a:r>
+              <a:rPr lang="uk-UA" dirty="0" smtClean="0"/>
+              <a:t> </a:t>
             </a:r>
             <a:endParaRPr lang="ru-RU" dirty="0"/>
           </a:p>
@@ -54131,52 +52215,146 @@
       </p:sp>
       <p:sp>
         <p:nvSpPr>
-          <p:cNvPr id="14" name="Прямоугольник 13"/>
-          <p:cNvSpPr/>
+          <p:cNvPr id="4098" name="AutoShape 2" descr="Charts - SCA"/>
+          <p:cNvSpPr>
+            <a:spLocks noChangeAspect="1" noChangeArrowheads="1"/>
+          </p:cNvSpPr>
+          <p:nvPr/>
+        </p:nvSpPr>
+        <p:spPr bwMode="auto">
+          <a:xfrm>
+            <a:off x="155575" y="-144463"/>
+            <a:ext cx="304800" cy="304801"/>
+          </a:xfrm>
+          <a:prstGeom prst="rect">
+            <a:avLst/>
+          </a:prstGeom>
+          <a:noFill/>
+        </p:spPr>
+        <p:txBody>
+          <a:bodyPr vert="horz" wrap="square" lIns="91440" tIns="45720" rIns="91440" bIns="45720" numCol="1" anchor="t" anchorCtr="0" compatLnSpc="1">
+            <a:prstTxWarp prst="textNoShape">
+              <a:avLst/>
+            </a:prstTxWarp>
+          </a:bodyPr>
+          <a:lstStyle/>
+          <a:p>
+            <a:endParaRPr lang="ru-RU"/>
+          </a:p>
+        </p:txBody>
+      </p:sp>
+      <p:sp>
+        <p:nvSpPr>
+          <p:cNvPr id="4100" name="AutoShape 4" descr="Charts - SCA"/>
+          <p:cNvSpPr>
+            <a:spLocks noChangeAspect="1" noChangeArrowheads="1"/>
+          </p:cNvSpPr>
+          <p:nvPr/>
+        </p:nvSpPr>
+        <p:spPr bwMode="auto">
+          <a:xfrm>
+            <a:off x="155575" y="-144463"/>
+            <a:ext cx="304800" cy="304801"/>
+          </a:xfrm>
+          <a:prstGeom prst="rect">
+            <a:avLst/>
+          </a:prstGeom>
+          <a:noFill/>
+        </p:spPr>
+        <p:txBody>
+          <a:bodyPr vert="horz" wrap="square" lIns="91440" tIns="45720" rIns="91440" bIns="45720" numCol="1" anchor="t" anchorCtr="0" compatLnSpc="1">
+            <a:prstTxWarp prst="textNoShape">
+              <a:avLst/>
+            </a:prstTxWarp>
+          </a:bodyPr>
+          <a:lstStyle/>
+          <a:p>
+            <a:endParaRPr lang="ru-RU"/>
+          </a:p>
+        </p:txBody>
+      </p:sp>
+      <p:pic>
+        <p:nvPicPr>
+          <p:cNvPr id="4101" name="Picture 5" descr="C:\Users\sergy\Downloads\Без названия.png"/>
+          <p:cNvPicPr>
+            <a:picLocks noChangeAspect="1" noChangeArrowheads="1"/>
+          </p:cNvPicPr>
+          <p:nvPr/>
+        </p:nvPicPr>
+        <p:blipFill>
+          <a:blip r:embed="rId4"/>
+          <a:srcRect b="15789"/>
+          <a:stretch>
+            <a:fillRect/>
+          </a:stretch>
+        </p:blipFill>
+        <p:spPr bwMode="auto">
+          <a:xfrm>
+            <a:off x="5000628" y="3000372"/>
+            <a:ext cx="3987111" cy="3357586"/>
+          </a:xfrm>
+          <a:prstGeom prst="rect">
+            <a:avLst/>
+          </a:prstGeom>
+          <a:noFill/>
+        </p:spPr>
+      </p:pic>
+      <p:sp>
+        <p:nvSpPr>
+          <p:cNvPr id="17" name="TextBox 16"/>
+          <p:cNvSpPr txBox="1"/>
           <p:nvPr/>
         </p:nvSpPr>
         <p:spPr>
           <a:xfrm>
-            <a:off x="642910" y="2643182"/>
-            <a:ext cx="928694" cy="357190"/>
+            <a:off x="6000760" y="2428868"/>
+            <a:ext cx="2143140" cy="307777"/>
           </a:xfrm>
           <a:prstGeom prst="rect">
             <a:avLst/>
           </a:prstGeom>
-          <a:solidFill>
-            <a:schemeClr val="bg1"/>
-          </a:solidFill>
-          <a:ln>
-            <a:solidFill>
-              <a:schemeClr val="bg1"/>
-            </a:solidFill>
-          </a:ln>
+          <a:noFill/>
         </p:spPr>
-        <p:style>
-          <a:lnRef idx="2">
-            <a:schemeClr val="accent1">
-              <a:shade val="50000"/>
-            </a:schemeClr>
-          </a:lnRef>
-          <a:fillRef idx="1">
-            <a:schemeClr val="accent1"/>
-          </a:fillRef>
-          <a:effectRef idx="0">
-            <a:schemeClr val="accent1"/>
-          </a:effectRef>
-          <a:fontRef idx="minor">
-            <a:schemeClr val="lt1"/>
-          </a:fontRef>
-        </p:style>
         <p:txBody>
-          <a:bodyPr rtlCol="0" anchor="ctr"/>
+          <a:bodyPr wrap="square" rtlCol="0">
+            <a:spAutoFit/>
+          </a:bodyPr>
           <a:lstStyle/>
           <a:p>
-            <a:pPr algn="ctr"/>
-            <a:endParaRPr lang="ru-RU"/>
+            <a:r>
+              <a:rPr lang="uk-UA" dirty="0" smtClean="0"/>
+              <a:t>Точність алгоритму</a:t>
+            </a:r>
+            <a:endParaRPr lang="ru-RU" dirty="0"/>
           </a:p>
         </p:txBody>
       </p:sp>
+      <p:pic>
+        <p:nvPicPr>
+          <p:cNvPr id="4102" name="Picture 6" descr="C:\Users\sergy\Downloads\Без названия (3).jpg"/>
+          <p:cNvPicPr>
+            <a:picLocks noChangeAspect="1" noChangeArrowheads="1"/>
+          </p:cNvPicPr>
+          <p:nvPr/>
+        </p:nvPicPr>
+        <p:blipFill>
+          <a:blip r:embed="rId5"/>
+          <a:srcRect/>
+          <a:stretch>
+            <a:fillRect/>
+          </a:stretch>
+        </p:blipFill>
+        <p:spPr bwMode="auto">
+          <a:xfrm>
+            <a:off x="571472" y="3143248"/>
+            <a:ext cx="3544780" cy="3286148"/>
+          </a:xfrm>
+          <a:prstGeom prst="rect">
+            <a:avLst/>
+          </a:prstGeom>
+          <a:noFill/>
+        </p:spPr>
+      </p:pic>
     </p:spTree>
   </p:cSld>
   <p:clrMapOvr>
@@ -54185,7 +52363,7 @@
 </p:sld>
 </file>
 
-<file path=ppt/slides/slide7.xml><?xml version="1.0" encoding="utf-8"?>
+<file path=ppt/slides/slide5.xml><?xml version="1.0" encoding="utf-8"?>
 <p:sld xmlns:a="http://schemas.openxmlformats.org/drawingml/2006/main" xmlns:r="http://schemas.openxmlformats.org/officeDocument/2006/relationships" xmlns:p="http://schemas.openxmlformats.org/presentationml/2006/main">
   <p:cSld>
     <p:spTree>
